--- a/FLASH的末路-00757103+00757129.pptx
+++ b/FLASH的末路-00757103+00757129.pptx
@@ -5,36 +5,33 @@
     <p:sldMasterId id="2147483744" r:id="rId4"/>
   </p:sldMasterIdLst>
   <p:notesMasterIdLst>
-    <p:notesMasterId r:id="rId9"/>
+    <p:notesMasterId r:id="rId11"/>
   </p:notesMasterIdLst>
   <p:handoutMasterIdLst>
-    <p:handoutMasterId r:id="rId10"/>
+    <p:handoutMasterId r:id="rId12"/>
   </p:handoutMasterIdLst>
   <p:sldIdLst>
     <p:sldId id="256" r:id="rId5"/>
-    <p:sldId id="276" r:id="rId6"/>
-    <p:sldId id="275" r:id="rId7"/>
-    <p:sldId id="274" r:id="rId8"/>
+    <p:sldId id="278" r:id="rId6"/>
+    <p:sldId id="276" r:id="rId7"/>
+    <p:sldId id="281" r:id="rId8"/>
+    <p:sldId id="279" r:id="rId9"/>
+    <p:sldId id="274" r:id="rId10"/>
   </p:sldIdLst>
   <p:sldSz cx="12192000" cy="6858000"/>
   <p:notesSz cx="6858000" cy="9144000"/>
   <p:embeddedFontLst>
     <p:embeddedFont>
-      <p:font typeface="微軟正黑體" panose="020B0604030504040204" pitchFamily="34" charset="-120"/>
-      <p:regular r:id="rId11"/>
-      <p:bold r:id="rId12"/>
+      <p:font typeface="DFGirlW7-B5" panose="040F0709000000000000" pitchFamily="81" charset="-120"/>
+      <p:regular r:id="rId13"/>
     </p:embeddedFont>
     <p:embeddedFont>
       <p:font typeface="Microsoft JhengHei UI" panose="020B0604030504040204" pitchFamily="34" charset="-120"/>
-      <p:regular r:id="rId13"/>
-      <p:bold r:id="rId14"/>
+      <p:regular r:id="rId14"/>
+      <p:bold r:id="rId15"/>
     </p:embeddedFont>
     <p:embeddedFont>
       <p:font typeface="UD デジタル 教科書体 NK-R" panose="02020400000000000000" pitchFamily="18" charset="-128"/>
-      <p:regular r:id="rId15"/>
-    </p:embeddedFont>
-    <p:embeddedFont>
-      <p:font typeface="UD デジタル 教科書体 N-R" panose="02020400000000000000" pitchFamily="17" charset="-128"/>
       <p:regular r:id="rId16"/>
     </p:embeddedFont>
     <p:embeddedFont>
@@ -884,7 +881,7 @@
           <a:p>
             <a:fld id="{1E51E795-A4A9-45C4-898E-4AB76FC232E0}" type="slidenum">
               <a:rPr lang="en-US" altLang="zh-TW" smtClean="0"/>
-              <a:t>4</a:t>
+              <a:t>6</a:t>
             </a:fld>
             <a:endParaRPr lang="zh-TW" altLang="en-US"/>
           </a:p>
@@ -6952,7 +6949,7 @@
         <p:spPr>
           <a:xfrm>
             <a:off x="677334" y="609600"/>
-            <a:ext cx="8596668" cy="1320800"/>
+            <a:ext cx="8596668" cy="695417"/>
           </a:xfrm>
           <a:prstGeom prst="rect">
             <a:avLst/>
@@ -7049,65 +7046,11 @@
                 <a:effectLst/>
                 <a:uLnTx/>
                 <a:uFillTx/>
-                <a:latin typeface="UD デジタル 教科書体 NK-R"/>
-                <a:cs typeface="+mj-cs"/>
+                <a:latin typeface="UD デジタル 教科書体 NK-R" panose="02020400000000000000" pitchFamily="18" charset="-128"/>
+                <a:ea typeface="UD デジタル 教科書体 NK-R" panose="02020400000000000000" pitchFamily="18" charset="-128"/>
               </a:rPr>
-              <a:t>使用技術</a:t>
-            </a:r>
-            <a:r>
-              <a:rPr kumimoji="0" lang="en-US" altLang="zh-TW" sz="3600" b="0" i="0" u="none" strike="noStrike" kern="1200" cap="none" spc="0" normalizeH="0" baseline="0" noProof="0" dirty="0">
-                <a:ln>
-                  <a:noFill/>
-                </a:ln>
-                <a:solidFill>
-                  <a:schemeClr val="tx1"/>
-                </a:solidFill>
-                <a:effectLst/>
-                <a:uLnTx/>
-                <a:uFillTx/>
-                <a:latin typeface="UD デジタル 教科書体 NK-R"/>
-                <a:cs typeface="+mj-cs"/>
-              </a:rPr>
-              <a:t>(</a:t>
-            </a:r>
-            <a:r>
-              <a:rPr lang="zh-TW" altLang="en-US" dirty="0">
-                <a:solidFill>
-                  <a:schemeClr val="tx1"/>
-                </a:solidFill>
-                <a:latin typeface="UD デジタル 教科書体 NK-R"/>
-              </a:rPr>
-              <a:t>貪食蛇</a:t>
-            </a:r>
-            <a:r>
-              <a:rPr kumimoji="0" lang="en-US" altLang="zh-TW" sz="3600" b="0" i="0" u="none" strike="noStrike" kern="1200" cap="none" spc="0" normalizeH="0" baseline="0" noProof="0" dirty="0">
-                <a:ln>
-                  <a:noFill/>
-                </a:ln>
-                <a:solidFill>
-                  <a:schemeClr val="tx1"/>
-                </a:solidFill>
-                <a:effectLst/>
-                <a:uLnTx/>
-                <a:uFillTx/>
-                <a:latin typeface="UD デジタル 教科書体 NK-R"/>
-                <a:cs typeface="+mj-cs"/>
-              </a:rPr>
-              <a:t>)</a:t>
-            </a:r>
-            <a:endParaRPr kumimoji="0" lang="zh-TW" altLang="en-US" sz="3600" b="0" i="0" u="none" strike="noStrike" kern="1200" cap="none" spc="0" normalizeH="0" baseline="0" noProof="0" dirty="0">
-              <a:ln>
-                <a:noFill/>
-              </a:ln>
-              <a:solidFill>
-                <a:schemeClr val="tx1"/>
-              </a:solidFill>
-              <a:effectLst/>
-              <a:uLnTx/>
-              <a:uFillTx/>
-              <a:latin typeface="UD デジタル 教科書体 NK-R"/>
-              <a:cs typeface="+mj-cs"/>
-            </a:endParaRPr>
+              <a:t>網站架構</a:t>
+            </a:r>
           </a:p>
         </p:txBody>
       </p:sp>
@@ -7127,8 +7070,8 @@
         </p:nvSpPr>
         <p:spPr>
           <a:xfrm>
-            <a:off x="677334" y="1583703"/>
-            <a:ext cx="8596668" cy="4457659"/>
+            <a:off x="677334" y="1930400"/>
+            <a:ext cx="8596668" cy="4110962"/>
           </a:xfrm>
           <a:prstGeom prst="rect">
             <a:avLst/>
@@ -7405,22 +7348,6 @@
               <a:tabLst/>
               <a:defRPr/>
             </a:pPr>
-            <a:r>
-              <a:rPr kumimoji="0" lang="zh-TW" altLang="en-US" sz="1800" b="0" i="0" u="none" strike="noStrike" kern="1200" cap="none" spc="0" normalizeH="0" baseline="0" noProof="0" dirty="0">
-                <a:ln>
-                  <a:noFill/>
-                </a:ln>
-                <a:solidFill>
-                  <a:schemeClr val="tx1"/>
-                </a:solidFill>
-                <a:effectLst/>
-                <a:uLnTx/>
-                <a:uFillTx/>
-                <a:latin typeface="UD デジタル 教科書体 N-R"/>
-                <a:cs typeface="+mn-cs"/>
-              </a:rPr>
-              <a:t>基本技術：</a:t>
-            </a:r>
             <a:endParaRPr kumimoji="0" lang="en-US" altLang="zh-TW" sz="1800" b="0" i="0" u="none" strike="noStrike" kern="1200" cap="none" spc="0" normalizeH="0" baseline="0" noProof="0" dirty="0">
               <a:ln>
                 <a:noFill/>
@@ -7431,254 +7358,45 @@
               <a:effectLst/>
               <a:uLnTx/>
               <a:uFillTx/>
-              <a:latin typeface="UD デジタル 教科書体 N-R"/>
-              <a:cs typeface="+mn-cs"/>
+              <a:latin typeface="UD デジタル 教科書体 NK-R" panose="02020400000000000000" pitchFamily="18" charset="-128"/>
+              <a:ea typeface="UD デジタル 教科書体 NK-R" panose="02020400000000000000" pitchFamily="18" charset="-128"/>
             </a:endParaRPr>
           </a:p>
-          <a:p>
-            <a:pPr marL="0" marR="0" lvl="0" indent="0" algn="l" defTabSz="457200" rtl="0" eaLnBrk="1" fontAlgn="auto" latinLnBrk="0" hangingPunct="1">
-              <a:lnSpc>
-                <a:spcPct val="100000"/>
-              </a:lnSpc>
-              <a:spcBef>
-                <a:spcPts val="1000"/>
-              </a:spcBef>
-              <a:spcAft>
-                <a:spcPts val="0"/>
-              </a:spcAft>
-              <a:buClr>
-                <a:srgbClr val="F496CB">
-                  <a:lumMod val="75000"/>
-                </a:srgbClr>
-              </a:buClr>
-              <a:buSzPct val="80000"/>
-              <a:buFont typeface="Wingdings 3" charset="2"/>
-              <a:buNone/>
-              <a:tabLst/>
-              <a:defRPr/>
-            </a:pPr>
-            <a:r>
-              <a:rPr kumimoji="0" lang="en-US" altLang="zh-TW" sz="1800" b="0" i="0" u="none" strike="noStrike" kern="1200" cap="none" spc="0" normalizeH="0" baseline="0" noProof="0" dirty="0">
-                <a:ln>
-                  <a:noFill/>
-                </a:ln>
-                <a:solidFill>
-                  <a:schemeClr val="tx1"/>
-                </a:solidFill>
-                <a:effectLst/>
-                <a:uLnTx/>
-                <a:uFillTx/>
-                <a:latin typeface="UD デジタル 教科書体 N-R"/>
-                <a:cs typeface="+mn-cs"/>
-              </a:rPr>
-              <a:t>	</a:t>
-            </a:r>
-            <a:r>
-              <a:rPr kumimoji="0" lang="zh-TW" altLang="en-US" sz="1800" b="0" i="0" u="none" strike="noStrike" kern="1200" cap="none" spc="0" normalizeH="0" baseline="0" noProof="0" dirty="0">
-                <a:ln>
-                  <a:noFill/>
-                </a:ln>
-                <a:solidFill>
-                  <a:schemeClr val="tx1"/>
-                </a:solidFill>
-                <a:effectLst/>
-                <a:uLnTx/>
-                <a:uFillTx/>
-                <a:latin typeface="UD デジタル 教科書体 N-R"/>
-                <a:cs typeface="+mn-cs"/>
-              </a:rPr>
-              <a:t>網站基本架構：</a:t>
-            </a:r>
-            <a:r>
-              <a:rPr kumimoji="0" lang="en-US" altLang="zh-TW" sz="1800" b="0" i="0" u="none" strike="noStrike" kern="1200" cap="none" spc="0" normalizeH="0" baseline="0" noProof="0" dirty="0">
-                <a:ln>
-                  <a:noFill/>
-                </a:ln>
-                <a:solidFill>
-                  <a:schemeClr val="tx1"/>
-                </a:solidFill>
-                <a:effectLst/>
-                <a:uLnTx/>
-                <a:uFillTx/>
-                <a:latin typeface="UD デジタル 教科書体 N-R"/>
-                <a:cs typeface="+mn-cs"/>
-              </a:rPr>
-              <a:t>HTML</a:t>
-            </a:r>
-          </a:p>
-          <a:p>
-            <a:pPr marL="0" marR="0" lvl="0" indent="0" algn="l" defTabSz="457200" rtl="0" eaLnBrk="1" fontAlgn="auto" latinLnBrk="0" hangingPunct="1">
-              <a:lnSpc>
-                <a:spcPct val="100000"/>
-              </a:lnSpc>
-              <a:spcBef>
-                <a:spcPts val="1000"/>
-              </a:spcBef>
-              <a:spcAft>
-                <a:spcPts val="0"/>
-              </a:spcAft>
-              <a:buClr>
-                <a:srgbClr val="F496CB">
-                  <a:lumMod val="75000"/>
-                </a:srgbClr>
-              </a:buClr>
-              <a:buSzPct val="80000"/>
-              <a:buFont typeface="Wingdings 3" charset="2"/>
-              <a:buNone/>
-              <a:tabLst/>
-              <a:defRPr/>
-            </a:pPr>
-            <a:r>
-              <a:rPr kumimoji="0" lang="en-US" altLang="zh-TW" sz="1800" b="0" i="0" u="none" strike="noStrike" kern="1200" cap="none" spc="0" normalizeH="0" baseline="0" noProof="0" dirty="0">
-                <a:ln>
-                  <a:noFill/>
-                </a:ln>
-                <a:solidFill>
-                  <a:schemeClr val="tx1"/>
-                </a:solidFill>
-                <a:effectLst/>
-                <a:uLnTx/>
-                <a:uFillTx/>
-                <a:latin typeface="UD デジタル 教科書体 N-R"/>
-                <a:cs typeface="+mn-cs"/>
-              </a:rPr>
-              <a:t>	</a:t>
-            </a:r>
-            <a:r>
-              <a:rPr kumimoji="0" lang="zh-TW" altLang="en-US" sz="1800" b="0" i="0" u="none" strike="noStrike" kern="1200" cap="none" spc="0" normalizeH="0" baseline="0" noProof="0" dirty="0">
-                <a:ln>
-                  <a:noFill/>
-                </a:ln>
-                <a:solidFill>
-                  <a:schemeClr val="tx1"/>
-                </a:solidFill>
-                <a:effectLst/>
-                <a:uLnTx/>
-                <a:uFillTx/>
-                <a:latin typeface="UD デジタル 教科書体 N-R"/>
-                <a:cs typeface="+mn-cs"/>
-              </a:rPr>
-              <a:t>網站裝飾：</a:t>
-            </a:r>
-            <a:r>
-              <a:rPr kumimoji="0" lang="en-US" altLang="zh-TW" sz="1800" b="0" i="0" u="none" strike="noStrike" kern="1200" cap="none" spc="0" normalizeH="0" baseline="0" noProof="0" dirty="0">
-                <a:ln>
-                  <a:noFill/>
-                </a:ln>
-                <a:solidFill>
-                  <a:schemeClr val="tx1"/>
-                </a:solidFill>
-                <a:effectLst/>
-                <a:uLnTx/>
-                <a:uFillTx/>
-                <a:latin typeface="UD デジタル 教科書体 N-R"/>
-                <a:cs typeface="+mn-cs"/>
-              </a:rPr>
-              <a:t>CSS</a:t>
-            </a:r>
-          </a:p>
-          <a:p>
-            <a:pPr marL="0" lvl="0" indent="0">
-              <a:buClr>
-                <a:srgbClr val="F496CB">
-                  <a:lumMod val="75000"/>
-                </a:srgbClr>
-              </a:buClr>
-              <a:buNone/>
-            </a:pPr>
-            <a:r>
-              <a:rPr kumimoji="0" lang="en-US" altLang="zh-TW" sz="1800" b="0" i="0" u="none" strike="noStrike" kern="1200" cap="none" spc="0" normalizeH="0" baseline="0" noProof="0" dirty="0">
-                <a:ln>
-                  <a:noFill/>
-                </a:ln>
-                <a:solidFill>
-                  <a:schemeClr val="tx1"/>
-                </a:solidFill>
-                <a:effectLst/>
-                <a:uLnTx/>
-                <a:uFillTx/>
-                <a:latin typeface="UD デジタル 教科書体 N-R"/>
-                <a:cs typeface="+mn-cs"/>
-              </a:rPr>
-              <a:t>	</a:t>
-            </a:r>
-            <a:r>
-              <a:rPr kumimoji="0" lang="zh-TW" altLang="en-US" sz="1800" b="0" i="0" u="none" strike="noStrike" kern="1200" cap="none" spc="0" normalizeH="0" baseline="0" noProof="0" dirty="0">
-                <a:ln>
-                  <a:noFill/>
-                </a:ln>
-                <a:solidFill>
-                  <a:schemeClr val="tx1"/>
-                </a:solidFill>
-                <a:effectLst/>
-                <a:uLnTx/>
-                <a:uFillTx/>
-                <a:latin typeface="UD デジタル 教科書体 N-R"/>
-                <a:cs typeface="+mn-cs"/>
-              </a:rPr>
-              <a:t>遊戲製作：</a:t>
-            </a:r>
-            <a:r>
-              <a:rPr kumimoji="0" lang="en-US" altLang="zh-TW" sz="1800" b="0" i="0" u="none" strike="noStrike" kern="1200" cap="none" spc="0" normalizeH="0" baseline="0" noProof="0" dirty="0">
-                <a:ln>
-                  <a:noFill/>
-                </a:ln>
-                <a:solidFill>
-                  <a:schemeClr val="tx1"/>
-                </a:solidFill>
-                <a:effectLst/>
-                <a:uLnTx/>
-                <a:uFillTx/>
-                <a:latin typeface="UD デジタル 教科書体 N-R"/>
-                <a:cs typeface="+mn-cs"/>
-              </a:rPr>
-              <a:t>JavaScript</a:t>
-            </a:r>
-            <a:r>
-              <a:rPr kumimoji="0" lang="zh-TW" altLang="en-US" sz="1800" b="0" i="0" u="none" strike="noStrike" kern="1200" cap="none" spc="0" normalizeH="0" baseline="0" noProof="0" dirty="0">
-                <a:ln>
-                  <a:noFill/>
-                </a:ln>
-                <a:solidFill>
-                  <a:schemeClr val="tx1"/>
-                </a:solidFill>
-                <a:effectLst/>
-                <a:uLnTx/>
-                <a:uFillTx/>
-                <a:latin typeface="UD デジタル 教科書体 N-R"/>
-                <a:cs typeface="+mn-cs"/>
-              </a:rPr>
-              <a:t> 、</a:t>
-            </a:r>
-            <a:r>
-              <a:rPr lang="en-US" altLang="zh-TW" dirty="0">
-                <a:solidFill>
-                  <a:schemeClr val="tx1"/>
-                </a:solidFill>
-                <a:latin typeface="UD デジタル 教科書体 N-R"/>
-              </a:rPr>
-              <a:t>jQuery </a:t>
-            </a:r>
-            <a:endParaRPr kumimoji="0" lang="en-US" altLang="zh-TW" sz="1800" b="0" i="0" u="none" strike="noStrike" kern="1200" cap="none" spc="0" normalizeH="0" baseline="0" noProof="0" dirty="0">
-              <a:ln>
-                <a:noFill/>
-              </a:ln>
-              <a:solidFill>
-                <a:schemeClr val="tx1"/>
-              </a:solidFill>
-              <a:effectLst/>
-              <a:uLnTx/>
-              <a:uFillTx/>
-              <a:latin typeface="UD デジタル 教科書体 N-R"/>
-              <a:cs typeface="+mn-cs"/>
-            </a:endParaRPr>
-          </a:p>
-        </p:txBody>
-      </p:sp>
+        </p:txBody>
+      </p:sp>
+      <p:pic>
+        <p:nvPicPr>
+          <p:cNvPr id="4" name="內容版面配置區 8">
+            <a:extLst>
+              <a:ext uri="{FF2B5EF4-FFF2-40B4-BE49-F238E27FC236}">
+                <a16:creationId xmlns:a16="http://schemas.microsoft.com/office/drawing/2014/main" id="{CFD1B183-77D7-4933-934D-63707035DF58}"/>
+              </a:ext>
+            </a:extLst>
+          </p:cNvPr>
+          <p:cNvPicPr>
+            <a:picLocks noGrp="1" noChangeAspect="1"/>
+          </p:cNvPicPr>
+          <p:nvPr>
+            <p:ph idx="1"/>
+          </p:nvPr>
+        </p:nvPicPr>
+        <p:blipFill>
+          <a:blip r:embed="rId2"/>
+          <a:stretch>
+            <a:fillRect/>
+          </a:stretch>
+        </p:blipFill>
+        <p:spPr>
+          <a:xfrm>
+            <a:off x="677334" y="1615265"/>
+            <a:ext cx="8386767" cy="4340718"/>
+          </a:xfrm>
+        </p:spPr>
+      </p:pic>
     </p:spTree>
     <p:extLst>
       <p:ext uri="{BB962C8B-B14F-4D97-AF65-F5344CB8AC3E}">
-        <p14:creationId xmlns:p14="http://schemas.microsoft.com/office/powerpoint/2010/main" val="118146111"/>
+        <p14:creationId xmlns:p14="http://schemas.microsoft.com/office/powerpoint/2010/main" val="843976044"/>
       </p:ext>
     </p:extLst>
   </p:cSld>
@@ -7707,34 +7425,129 @@
       </p:grpSpPr>
       <p:sp>
         <p:nvSpPr>
-          <p:cNvPr id="2" name="標題 1"/>
-          <p:cNvSpPr>
-            <a:spLocks noGrp="1"/>
-          </p:cNvSpPr>
-          <p:nvPr>
-            <p:ph type="title"/>
-          </p:nvPr>
+          <p:cNvPr id="6" name="標題 1">
+            <a:extLst>
+              <a:ext uri="{FF2B5EF4-FFF2-40B4-BE49-F238E27FC236}">
+                <a16:creationId xmlns:a16="http://schemas.microsoft.com/office/drawing/2014/main" id="{2172552F-11D2-4467-8DA2-78B49F692D02}"/>
+              </a:ext>
+            </a:extLst>
+          </p:cNvPr>
+          <p:cNvSpPr txBox="1">
+            <a:spLocks/>
+          </p:cNvSpPr>
+          <p:nvPr/>
         </p:nvSpPr>
         <p:spPr>
           <a:xfrm>
-            <a:off x="685801" y="574105"/>
-            <a:ext cx="10131425" cy="1456267"/>
+            <a:off x="677334" y="609600"/>
+            <a:ext cx="8596668" cy="695417"/>
           </a:xfrm>
+          <a:prstGeom prst="rect">
+            <a:avLst/>
+          </a:prstGeom>
         </p:spPr>
         <p:txBody>
-          <a:bodyPr/>
-          <a:lstStyle/>
-          <a:p>
-            <a:r>
-              <a:rPr lang="zh-TW" altLang="en-US" dirty="0"/>
-              <a:t>分工</a:t>
-            </a:r>
-          </a:p>
-        </p:txBody>
-      </p:sp>
-      <p:sp>
-        <p:nvSpPr>
-          <p:cNvPr id="8" name="內容版面配置區 2">
+          <a:bodyPr vert="horz" lIns="91440" tIns="45720" rIns="91440" bIns="45720" rtlCol="0" anchor="t">
+            <a:normAutofit/>
+          </a:bodyPr>
+          <a:lstStyle>
+            <a:lvl1pPr algn="l" defTabSz="457200" rtl="0" eaLnBrk="1" latinLnBrk="0" hangingPunct="1">
+              <a:spcBef>
+                <a:spcPct val="0"/>
+              </a:spcBef>
+              <a:buNone/>
+              <a:defRPr sz="3600" kern="1200">
+                <a:solidFill>
+                  <a:schemeClr val="accent1">
+                    <a:lumMod val="75000"/>
+                  </a:schemeClr>
+                </a:solidFill>
+                <a:latin typeface="+mj-lt"/>
+                <a:ea typeface="+mj-ea"/>
+                <a:cs typeface="+mj-cs"/>
+              </a:defRPr>
+            </a:lvl1pPr>
+            <a:lvl2pPr eaLnBrk="1" hangingPunct="1">
+              <a:defRPr>
+                <a:solidFill>
+                  <a:schemeClr val="tx2"/>
+                </a:solidFill>
+              </a:defRPr>
+            </a:lvl2pPr>
+            <a:lvl3pPr eaLnBrk="1" hangingPunct="1">
+              <a:defRPr>
+                <a:solidFill>
+                  <a:schemeClr val="tx2"/>
+                </a:solidFill>
+              </a:defRPr>
+            </a:lvl3pPr>
+            <a:lvl4pPr eaLnBrk="1" hangingPunct="1">
+              <a:defRPr>
+                <a:solidFill>
+                  <a:schemeClr val="tx2"/>
+                </a:solidFill>
+              </a:defRPr>
+            </a:lvl4pPr>
+            <a:lvl5pPr eaLnBrk="1" hangingPunct="1">
+              <a:defRPr>
+                <a:solidFill>
+                  <a:schemeClr val="tx2"/>
+                </a:solidFill>
+              </a:defRPr>
+            </a:lvl5pPr>
+            <a:lvl6pPr eaLnBrk="1" hangingPunct="1">
+              <a:defRPr>
+                <a:solidFill>
+                  <a:schemeClr val="tx2"/>
+                </a:solidFill>
+              </a:defRPr>
+            </a:lvl6pPr>
+            <a:lvl7pPr eaLnBrk="1" hangingPunct="1">
+              <a:defRPr>
+                <a:solidFill>
+                  <a:schemeClr val="tx2"/>
+                </a:solidFill>
+              </a:defRPr>
+            </a:lvl7pPr>
+            <a:lvl8pPr eaLnBrk="1" hangingPunct="1">
+              <a:defRPr>
+                <a:solidFill>
+                  <a:schemeClr val="tx2"/>
+                </a:solidFill>
+              </a:defRPr>
+            </a:lvl8pPr>
+            <a:lvl9pPr eaLnBrk="1" hangingPunct="1">
+              <a:defRPr>
+                <a:solidFill>
+                  <a:schemeClr val="tx2"/>
+                </a:solidFill>
+              </a:defRPr>
+            </a:lvl9pPr>
+          </a:lstStyle>
+          <a:p>
+            <a:pPr lvl="0"/>
+            <a:r>
+              <a:rPr kumimoji="0" lang="zh-TW" altLang="en-US" sz="3600" b="0" i="0" u="none" strike="noStrike" kern="1200" cap="none" spc="0" normalizeH="0" baseline="0" noProof="0" dirty="0">
+                <a:ln>
+                  <a:noFill/>
+                </a:ln>
+                <a:solidFill>
+                  <a:schemeClr val="tx1"/>
+                </a:solidFill>
+                <a:effectLst/>
+                <a:uLnTx/>
+                <a:uFillTx/>
+                <a:latin typeface="UD デジタル 教科書体 NK-R" panose="02020400000000000000" pitchFamily="18" charset="-128"/>
+                <a:ea typeface="UD デジタル 教科書体 NK-R" panose="02020400000000000000" pitchFamily="18" charset="-128"/>
+              </a:rPr>
+              <a:t>使用技術</a:t>
+            </a:r>
+          </a:p>
+        </p:txBody>
+      </p:sp>
+      <p:sp>
+        <p:nvSpPr>
+          <p:cNvPr id="7" name="內容版面配置區 2">
             <a:extLst>
               <a:ext uri="{FF2B5EF4-FFF2-40B4-BE49-F238E27FC236}">
                 <a16:creationId xmlns:a16="http://schemas.microsoft.com/office/drawing/2014/main" id="{B4B4624F-38E8-446C-8673-BE7795AFF4E4}"/>
@@ -7748,8 +7561,8 @@
         </p:nvSpPr>
         <p:spPr>
           <a:xfrm>
-            <a:off x="774049" y="2030372"/>
-            <a:ext cx="8596668" cy="4457659"/>
+            <a:off x="677334" y="1930400"/>
+            <a:ext cx="8596668" cy="4110962"/>
           </a:xfrm>
           <a:prstGeom prst="rect">
             <a:avLst/>
@@ -8005,110 +7818,302 @@
             </a:lvl9pPr>
           </a:lstStyle>
           <a:p>
-            <a:r>
-              <a:rPr lang="zh-TW" altLang="en-US" dirty="0">
-                <a:latin typeface="微軟正黑體" panose="020B0604030504040204" pitchFamily="34" charset="-120"/>
-                <a:ea typeface="微軟正黑體" panose="020B0604030504040204" pitchFamily="34" charset="-120"/>
+            <a:pPr marL="342900" marR="0" lvl="0" indent="-342900" algn="l" defTabSz="457200" rtl="0" eaLnBrk="1" fontAlgn="auto" latinLnBrk="0" hangingPunct="1">
+              <a:lnSpc>
+                <a:spcPct val="100000"/>
+              </a:lnSpc>
+              <a:spcBef>
+                <a:spcPts val="1000"/>
+              </a:spcBef>
+              <a:spcAft>
+                <a:spcPts val="0"/>
+              </a:spcAft>
+              <a:buClr>
+                <a:srgbClr val="F496CB">
+                  <a:lumMod val="75000"/>
+                </a:srgbClr>
+              </a:buClr>
+              <a:buSzPct val="80000"/>
+              <a:buFont typeface="Wingdings 3" charset="2"/>
+              <a:buChar char=""/>
+              <a:tabLst/>
+              <a:defRPr/>
+            </a:pPr>
+            <a:r>
+              <a:rPr kumimoji="0" lang="zh-TW" altLang="en-US" sz="1800" b="0" i="0" u="none" strike="noStrike" kern="1200" cap="none" spc="0" normalizeH="0" baseline="0" noProof="0" dirty="0">
+                <a:ln>
+                  <a:noFill/>
+                </a:ln>
+                <a:solidFill>
+                  <a:schemeClr val="tx1"/>
+                </a:solidFill>
+                <a:effectLst/>
+                <a:uLnTx/>
+                <a:uFillTx/>
+                <a:latin typeface="UD デジタル 教科書体 NK-R" panose="02020400000000000000" pitchFamily="18" charset="-128"/>
+                <a:ea typeface="UD デジタル 教科書体 NK-R" panose="02020400000000000000" pitchFamily="18" charset="-128"/>
               </a:rPr>
-              <a:t>洪鈺凱 </a:t>
+              <a:t>基本技術：</a:t>
+            </a:r>
+            <a:endParaRPr kumimoji="0" lang="en-US" altLang="zh-TW" sz="1800" b="0" i="0" u="none" strike="noStrike" kern="1200" cap="none" spc="0" normalizeH="0" baseline="0" noProof="0" dirty="0">
+              <a:ln>
+                <a:noFill/>
+              </a:ln>
+              <a:solidFill>
+                <a:schemeClr val="tx1"/>
+              </a:solidFill>
+              <a:effectLst/>
+              <a:uLnTx/>
+              <a:uFillTx/>
+              <a:latin typeface="UD デジタル 教科書体 NK-R" panose="02020400000000000000" pitchFamily="18" charset="-128"/>
+              <a:ea typeface="UD デジタル 教科書体 NK-R" panose="02020400000000000000" pitchFamily="18" charset="-128"/>
+            </a:endParaRPr>
+          </a:p>
+          <a:p>
+            <a:pPr marL="0" marR="0" lvl="0" indent="0" algn="l" defTabSz="457200" rtl="0" eaLnBrk="1" fontAlgn="auto" latinLnBrk="0" hangingPunct="1">
+              <a:lnSpc>
+                <a:spcPct val="100000"/>
+              </a:lnSpc>
+              <a:spcBef>
+                <a:spcPts val="1000"/>
+              </a:spcBef>
+              <a:spcAft>
+                <a:spcPts val="0"/>
+              </a:spcAft>
+              <a:buClr>
+                <a:srgbClr val="F496CB">
+                  <a:lumMod val="75000"/>
+                </a:srgbClr>
+              </a:buClr>
+              <a:buSzPct val="80000"/>
+              <a:buFont typeface="Wingdings 3" charset="2"/>
+              <a:buNone/>
+              <a:tabLst/>
+              <a:defRPr/>
+            </a:pPr>
+            <a:r>
+              <a:rPr kumimoji="0" lang="en-US" altLang="zh-TW" sz="1800" b="0" i="0" u="none" strike="noStrike" kern="1200" cap="none" spc="0" normalizeH="0" baseline="0" noProof="0" dirty="0">
+                <a:ln>
+                  <a:noFill/>
+                </a:ln>
+                <a:solidFill>
+                  <a:schemeClr val="tx1"/>
+                </a:solidFill>
+                <a:effectLst/>
+                <a:uLnTx/>
+                <a:uFillTx/>
+                <a:latin typeface="UD デジタル 教科書体 NK-R" panose="02020400000000000000" pitchFamily="18" charset="-128"/>
+                <a:ea typeface="UD デジタル 教科書体 NK-R" panose="02020400000000000000" pitchFamily="18" charset="-128"/>
+              </a:rPr>
+              <a:t>	</a:t>
+            </a:r>
+            <a:r>
+              <a:rPr kumimoji="0" lang="zh-TW" altLang="en-US" sz="1800" b="0" i="0" u="none" strike="noStrike" kern="1200" cap="none" spc="0" normalizeH="0" baseline="0" noProof="0" dirty="0">
+                <a:ln>
+                  <a:noFill/>
+                </a:ln>
+                <a:solidFill>
+                  <a:schemeClr val="tx1"/>
+                </a:solidFill>
+                <a:effectLst/>
+                <a:uLnTx/>
+                <a:uFillTx/>
+                <a:latin typeface="UD デジタル 教科書体 NK-R" panose="02020400000000000000" pitchFamily="18" charset="-128"/>
+                <a:ea typeface="UD デジタル 教科書体 NK-R" panose="02020400000000000000" pitchFamily="18" charset="-128"/>
+              </a:rPr>
+              <a:t>網站基本架構：</a:t>
+            </a:r>
+            <a:r>
+              <a:rPr kumimoji="0" lang="en-US" altLang="zh-TW" sz="1800" b="0" i="0" u="none" strike="noStrike" kern="1200" cap="none" spc="0" normalizeH="0" baseline="0" noProof="0" dirty="0">
+                <a:ln>
+                  <a:noFill/>
+                </a:ln>
+                <a:solidFill>
+                  <a:schemeClr val="tx1"/>
+                </a:solidFill>
+                <a:effectLst/>
+                <a:uLnTx/>
+                <a:uFillTx/>
+                <a:latin typeface="UD デジタル 教科書体 NK-R" panose="02020400000000000000" pitchFamily="18" charset="-128"/>
+                <a:ea typeface="UD デジタル 教科書体 NK-R" panose="02020400000000000000" pitchFamily="18" charset="-128"/>
+              </a:rPr>
+              <a:t>HTML</a:t>
+            </a:r>
+          </a:p>
+          <a:p>
+            <a:pPr marL="0" marR="0" lvl="0" indent="0" algn="l" defTabSz="457200" rtl="0" eaLnBrk="1" fontAlgn="auto" latinLnBrk="0" hangingPunct="1">
+              <a:lnSpc>
+                <a:spcPct val="100000"/>
+              </a:lnSpc>
+              <a:spcBef>
+                <a:spcPts val="1000"/>
+              </a:spcBef>
+              <a:spcAft>
+                <a:spcPts val="0"/>
+              </a:spcAft>
+              <a:buClr>
+                <a:srgbClr val="F496CB">
+                  <a:lumMod val="75000"/>
+                </a:srgbClr>
+              </a:buClr>
+              <a:buSzPct val="80000"/>
+              <a:buFont typeface="Wingdings 3" charset="2"/>
+              <a:buNone/>
+              <a:tabLst/>
+              <a:defRPr/>
+            </a:pPr>
+            <a:r>
+              <a:rPr kumimoji="0" lang="en-US" altLang="zh-TW" sz="1800" b="0" i="0" u="none" strike="noStrike" kern="1200" cap="none" spc="0" normalizeH="0" baseline="0" noProof="0" dirty="0">
+                <a:ln>
+                  <a:noFill/>
+                </a:ln>
+                <a:solidFill>
+                  <a:schemeClr val="tx1"/>
+                </a:solidFill>
+                <a:effectLst/>
+                <a:uLnTx/>
+                <a:uFillTx/>
+                <a:latin typeface="UD デジタル 教科書体 NK-R" panose="02020400000000000000" pitchFamily="18" charset="-128"/>
+                <a:ea typeface="UD デジタル 教科書体 NK-R" panose="02020400000000000000" pitchFamily="18" charset="-128"/>
+              </a:rPr>
+              <a:t>	</a:t>
+            </a:r>
+            <a:r>
+              <a:rPr kumimoji="0" lang="zh-TW" altLang="en-US" sz="1800" b="0" i="0" u="none" strike="noStrike" kern="1200" cap="none" spc="0" normalizeH="0" baseline="0" noProof="0" dirty="0">
+                <a:ln>
+                  <a:noFill/>
+                </a:ln>
+                <a:solidFill>
+                  <a:schemeClr val="tx1"/>
+                </a:solidFill>
+                <a:effectLst/>
+                <a:uLnTx/>
+                <a:uFillTx/>
+                <a:latin typeface="UD デジタル 教科書体 NK-R" panose="02020400000000000000" pitchFamily="18" charset="-128"/>
+                <a:ea typeface="UD デジタル 教科書体 NK-R" panose="02020400000000000000" pitchFamily="18" charset="-128"/>
+              </a:rPr>
+              <a:t>網站裝飾：</a:t>
+            </a:r>
+            <a:r>
+              <a:rPr kumimoji="0" lang="en-US" altLang="zh-TW" sz="1800" b="0" i="0" u="none" strike="noStrike" kern="1200" cap="none" spc="0" normalizeH="0" baseline="0" noProof="0" dirty="0">
+                <a:ln>
+                  <a:noFill/>
+                </a:ln>
+                <a:solidFill>
+                  <a:schemeClr val="tx1"/>
+                </a:solidFill>
+                <a:effectLst/>
+                <a:uLnTx/>
+                <a:uFillTx/>
+                <a:latin typeface="UD デジタル 教科書体 NK-R" panose="02020400000000000000" pitchFamily="18" charset="-128"/>
+                <a:ea typeface="UD デジタル 教科書体 NK-R" panose="02020400000000000000" pitchFamily="18" charset="-128"/>
+              </a:rPr>
+              <a:t>CSS</a:t>
+            </a:r>
+          </a:p>
+          <a:p>
+            <a:pPr marL="0" lvl="0" indent="0">
+              <a:buClr>
+                <a:srgbClr val="F496CB">
+                  <a:lumMod val="75000"/>
+                </a:srgbClr>
+              </a:buClr>
+              <a:buNone/>
+            </a:pPr>
+            <a:r>
+              <a:rPr kumimoji="0" lang="en-US" altLang="zh-TW" sz="1800" b="0" i="0" u="none" strike="noStrike" kern="1200" cap="none" spc="0" normalizeH="0" baseline="0" noProof="0" dirty="0">
+                <a:ln>
+                  <a:noFill/>
+                </a:ln>
+                <a:solidFill>
+                  <a:schemeClr val="tx1"/>
+                </a:solidFill>
+                <a:effectLst/>
+                <a:uLnTx/>
+                <a:uFillTx/>
+                <a:latin typeface="UD デジタル 教科書体 NK-R" panose="02020400000000000000" pitchFamily="18" charset="-128"/>
+                <a:ea typeface="UD デジタル 教科書体 NK-R" panose="02020400000000000000" pitchFamily="18" charset="-128"/>
+              </a:rPr>
+              <a:t>	</a:t>
+            </a:r>
+            <a:r>
+              <a:rPr kumimoji="0" lang="zh-TW" altLang="en-US" sz="1800" b="0" i="0" u="none" strike="noStrike" kern="1200" cap="none" spc="0" normalizeH="0" baseline="0" noProof="0" dirty="0">
+                <a:ln>
+                  <a:noFill/>
+                </a:ln>
+                <a:solidFill>
+                  <a:schemeClr val="tx1"/>
+                </a:solidFill>
+                <a:effectLst/>
+                <a:uLnTx/>
+                <a:uFillTx/>
+                <a:latin typeface="UD デジタル 教科書体 NK-R" panose="02020400000000000000" pitchFamily="18" charset="-128"/>
+                <a:ea typeface="UD デジタル 教科書体 NK-R" panose="02020400000000000000" pitchFamily="18" charset="-128"/>
+              </a:rPr>
+              <a:t>遊戲製作：</a:t>
+            </a:r>
+            <a:r>
+              <a:rPr kumimoji="0" lang="en-US" altLang="zh-TW" sz="1800" b="0" i="0" u="none" strike="noStrike" kern="1200" cap="none" spc="0" normalizeH="0" baseline="0" noProof="0" dirty="0">
+                <a:ln>
+                  <a:noFill/>
+                </a:ln>
+                <a:solidFill>
+                  <a:schemeClr val="tx1"/>
+                </a:solidFill>
+                <a:effectLst/>
+                <a:uLnTx/>
+                <a:uFillTx/>
+                <a:latin typeface="UD デジタル 教科書体 NK-R" panose="02020400000000000000" pitchFamily="18" charset="-128"/>
+                <a:ea typeface="UD デジタル 教科書体 NK-R" panose="02020400000000000000" pitchFamily="18" charset="-128"/>
+              </a:rPr>
+              <a:t>JavaScript</a:t>
+            </a:r>
+            <a:r>
+              <a:rPr kumimoji="0" lang="zh-TW" altLang="en-US" sz="1800" b="0" i="0" u="none" strike="noStrike" kern="1200" cap="none" spc="0" normalizeH="0" baseline="0" noProof="0" dirty="0">
+                <a:ln>
+                  <a:noFill/>
+                </a:ln>
+                <a:solidFill>
+                  <a:schemeClr val="tx1"/>
+                </a:solidFill>
+                <a:effectLst/>
+                <a:uLnTx/>
+                <a:uFillTx/>
+                <a:latin typeface="UD デジタル 教科書体 NK-R" panose="02020400000000000000" pitchFamily="18" charset="-128"/>
+                <a:ea typeface="UD デジタル 教科書体 NK-R" panose="02020400000000000000" pitchFamily="18" charset="-128"/>
+              </a:rPr>
+              <a:t> 、</a:t>
             </a:r>
             <a:r>
               <a:rPr lang="en-US" altLang="zh-TW" dirty="0">
-                <a:latin typeface="微軟正黑體" panose="020B0604030504040204" pitchFamily="34" charset="-120"/>
-                <a:ea typeface="微軟正黑體" panose="020B0604030504040204" pitchFamily="34" charset="-120"/>
+                <a:solidFill>
+                  <a:schemeClr val="tx1"/>
+                </a:solidFill>
+                <a:latin typeface="UD デジタル 教科書体 NK-R" panose="02020400000000000000" pitchFamily="18" charset="-128"/>
+                <a:ea typeface="UD デジタル 教科書体 NK-R" panose="02020400000000000000" pitchFamily="18" charset="-128"/>
               </a:rPr>
-              <a:t>:</a:t>
-            </a:r>
-          </a:p>
-          <a:p>
-            <a:pPr marL="0" indent="0">
-              <a:buNone/>
-            </a:pPr>
-            <a:r>
-              <a:rPr lang="en-US" altLang="zh-TW" dirty="0">
-                <a:latin typeface="微軟正黑體" panose="020B0604030504040204" pitchFamily="34" charset="-120"/>
-                <a:ea typeface="微軟正黑體" panose="020B0604030504040204" pitchFamily="34" charset="-120"/>
-              </a:rPr>
-              <a:t>			</a:t>
-            </a:r>
-            <a:r>
-              <a:rPr lang="zh-TW" altLang="en-US" dirty="0">
-                <a:latin typeface="微軟正黑體" panose="020B0604030504040204" pitchFamily="34" charset="-120"/>
-                <a:ea typeface="微軟正黑體" panose="020B0604030504040204" pitchFamily="34" charset="-120"/>
-              </a:rPr>
-              <a:t>小遊戲</a:t>
-            </a:r>
-            <a:r>
-              <a:rPr lang="en-US" altLang="zh-TW" dirty="0">
-                <a:latin typeface="微軟正黑體" panose="020B0604030504040204" pitchFamily="34" charset="-120"/>
-                <a:ea typeface="微軟正黑體" panose="020B0604030504040204" pitchFamily="34" charset="-120"/>
-              </a:rPr>
-              <a:t>2048</a:t>
-            </a:r>
-            <a:r>
-              <a:rPr lang="zh-TW" altLang="en-US" dirty="0">
-                <a:latin typeface="微軟正黑體" panose="020B0604030504040204" pitchFamily="34" charset="-120"/>
-                <a:ea typeface="微軟正黑體" panose="020B0604030504040204" pitchFamily="34" charset="-120"/>
-              </a:rPr>
-              <a:t>製作、網站架構規劃與整合</a:t>
-            </a:r>
-            <a:endParaRPr lang="en-US" altLang="zh-TW" dirty="0">
-              <a:latin typeface="微軟正黑體" panose="020B0604030504040204" pitchFamily="34" charset="-120"/>
-              <a:ea typeface="微軟正黑體" panose="020B0604030504040204" pitchFamily="34" charset="-120"/>
+              <a:t>jQuery </a:t>
+            </a:r>
+            <a:endParaRPr kumimoji="0" lang="en-US" altLang="zh-TW" sz="1800" b="0" i="0" u="none" strike="noStrike" kern="1200" cap="none" spc="0" normalizeH="0" baseline="0" noProof="0" dirty="0">
+              <a:ln>
+                <a:noFill/>
+              </a:ln>
+              <a:solidFill>
+                <a:schemeClr val="tx1"/>
+              </a:solidFill>
+              <a:effectLst/>
+              <a:uLnTx/>
+              <a:uFillTx/>
+              <a:latin typeface="UD デジタル 教科書体 NK-R" panose="02020400000000000000" pitchFamily="18" charset="-128"/>
+              <a:ea typeface="UD デジタル 教科書体 NK-R" panose="02020400000000000000" pitchFamily="18" charset="-128"/>
             </a:endParaRPr>
-          </a:p>
-          <a:p>
-            <a:r>
-              <a:rPr lang="zh-TW" altLang="en-US" dirty="0">
-                <a:latin typeface="微軟正黑體" panose="020B0604030504040204" pitchFamily="34" charset="-120"/>
-                <a:ea typeface="微軟正黑體" panose="020B0604030504040204" pitchFamily="34" charset="-120"/>
-              </a:rPr>
-              <a:t>劉永萱 </a:t>
-            </a:r>
-            <a:r>
-              <a:rPr lang="en-US" altLang="zh-TW" dirty="0">
-                <a:latin typeface="微軟正黑體" panose="020B0604030504040204" pitchFamily="34" charset="-120"/>
-                <a:ea typeface="微軟正黑體" panose="020B0604030504040204" pitchFamily="34" charset="-120"/>
-              </a:rPr>
-              <a:t>:</a:t>
-            </a:r>
-            <a:r>
-              <a:rPr lang="zh-TW" altLang="en-US" dirty="0">
-                <a:latin typeface="微軟正黑體" panose="020B0604030504040204" pitchFamily="34" charset="-120"/>
-                <a:ea typeface="微軟正黑體" panose="020B0604030504040204" pitchFamily="34" charset="-120"/>
-              </a:rPr>
-              <a:t> </a:t>
-            </a:r>
-            <a:endParaRPr lang="en-US" altLang="zh-TW" dirty="0">
-              <a:latin typeface="微軟正黑體" panose="020B0604030504040204" pitchFamily="34" charset="-120"/>
-              <a:ea typeface="微軟正黑體" panose="020B0604030504040204" pitchFamily="34" charset="-120"/>
-            </a:endParaRPr>
-          </a:p>
-          <a:p>
-            <a:pPr marL="0" indent="0">
-              <a:buNone/>
-            </a:pPr>
-            <a:r>
-              <a:rPr lang="en-US" altLang="zh-TW" dirty="0">
-                <a:latin typeface="微軟正黑體" panose="020B0604030504040204" pitchFamily="34" charset="-120"/>
-                <a:ea typeface="微軟正黑體" panose="020B0604030504040204" pitchFamily="34" charset="-120"/>
-              </a:rPr>
-              <a:t>			</a:t>
-            </a:r>
-            <a:r>
-              <a:rPr lang="zh-TW" altLang="en-US" dirty="0">
-                <a:latin typeface="微軟正黑體" panose="020B0604030504040204" pitchFamily="34" charset="-120"/>
-                <a:ea typeface="微軟正黑體" panose="020B0604030504040204" pitchFamily="34" charset="-120"/>
-              </a:rPr>
-              <a:t>小遊戲貪食蛇製作</a:t>
-            </a:r>
           </a:p>
         </p:txBody>
       </p:sp>
     </p:spTree>
     <p:extLst>
       <p:ext uri="{BB962C8B-B14F-4D97-AF65-F5344CB8AC3E}">
-        <p14:creationId xmlns:p14="http://schemas.microsoft.com/office/powerpoint/2010/main" val="2171005183"/>
+        <p14:creationId xmlns:p14="http://schemas.microsoft.com/office/powerpoint/2010/main" val="118146111"/>
       </p:ext>
     </p:extLst>
   </p:cSld>
@@ -8119,6 +8124,1597 @@
 </file>
 
 <file path=ppt/slides/slide4.xml><?xml version="1.0" encoding="utf-8"?>
+<p:sld xmlns:a="http://schemas.openxmlformats.org/drawingml/2006/main" xmlns:r="http://schemas.openxmlformats.org/officeDocument/2006/relationships" xmlns:p="http://schemas.openxmlformats.org/presentationml/2006/main">
+  <p:cSld>
+    <p:spTree>
+      <p:nvGrpSpPr>
+        <p:cNvPr id="1" name=""/>
+        <p:cNvGrpSpPr/>
+        <p:nvPr/>
+      </p:nvGrpSpPr>
+      <p:grpSpPr>
+        <a:xfrm>
+          <a:off x="0" y="0"/>
+          <a:ext cx="0" cy="0"/>
+          <a:chOff x="0" y="0"/>
+          <a:chExt cx="0" cy="0"/>
+        </a:xfrm>
+      </p:grpSpPr>
+      <p:sp>
+        <p:nvSpPr>
+          <p:cNvPr id="6" name="標題 1">
+            <a:extLst>
+              <a:ext uri="{FF2B5EF4-FFF2-40B4-BE49-F238E27FC236}">
+                <a16:creationId xmlns:a16="http://schemas.microsoft.com/office/drawing/2014/main" id="{2172552F-11D2-4467-8DA2-78B49F692D02}"/>
+              </a:ext>
+            </a:extLst>
+          </p:cNvPr>
+          <p:cNvSpPr txBox="1">
+            <a:spLocks/>
+          </p:cNvSpPr>
+          <p:nvPr/>
+        </p:nvSpPr>
+        <p:spPr>
+          <a:xfrm>
+            <a:off x="677334" y="609600"/>
+            <a:ext cx="8596668" cy="695417"/>
+          </a:xfrm>
+          <a:prstGeom prst="rect">
+            <a:avLst/>
+          </a:prstGeom>
+        </p:spPr>
+        <p:txBody>
+          <a:bodyPr vert="horz" lIns="91440" tIns="45720" rIns="91440" bIns="45720" rtlCol="0" anchor="t">
+            <a:normAutofit/>
+          </a:bodyPr>
+          <a:lstStyle>
+            <a:lvl1pPr algn="l" defTabSz="457200" rtl="0" eaLnBrk="1" latinLnBrk="0" hangingPunct="1">
+              <a:spcBef>
+                <a:spcPct val="0"/>
+              </a:spcBef>
+              <a:buNone/>
+              <a:defRPr sz="3600" kern="1200">
+                <a:solidFill>
+                  <a:schemeClr val="accent1">
+                    <a:lumMod val="75000"/>
+                  </a:schemeClr>
+                </a:solidFill>
+                <a:latin typeface="+mj-lt"/>
+                <a:ea typeface="+mj-ea"/>
+                <a:cs typeface="+mj-cs"/>
+              </a:defRPr>
+            </a:lvl1pPr>
+            <a:lvl2pPr eaLnBrk="1" hangingPunct="1">
+              <a:defRPr>
+                <a:solidFill>
+                  <a:schemeClr val="tx2"/>
+                </a:solidFill>
+              </a:defRPr>
+            </a:lvl2pPr>
+            <a:lvl3pPr eaLnBrk="1" hangingPunct="1">
+              <a:defRPr>
+                <a:solidFill>
+                  <a:schemeClr val="tx2"/>
+                </a:solidFill>
+              </a:defRPr>
+            </a:lvl3pPr>
+            <a:lvl4pPr eaLnBrk="1" hangingPunct="1">
+              <a:defRPr>
+                <a:solidFill>
+                  <a:schemeClr val="tx2"/>
+                </a:solidFill>
+              </a:defRPr>
+            </a:lvl4pPr>
+            <a:lvl5pPr eaLnBrk="1" hangingPunct="1">
+              <a:defRPr>
+                <a:solidFill>
+                  <a:schemeClr val="tx2"/>
+                </a:solidFill>
+              </a:defRPr>
+            </a:lvl5pPr>
+            <a:lvl6pPr eaLnBrk="1" hangingPunct="1">
+              <a:defRPr>
+                <a:solidFill>
+                  <a:schemeClr val="tx2"/>
+                </a:solidFill>
+              </a:defRPr>
+            </a:lvl6pPr>
+            <a:lvl7pPr eaLnBrk="1" hangingPunct="1">
+              <a:defRPr>
+                <a:solidFill>
+                  <a:schemeClr val="tx2"/>
+                </a:solidFill>
+              </a:defRPr>
+            </a:lvl7pPr>
+            <a:lvl8pPr eaLnBrk="1" hangingPunct="1">
+              <a:defRPr>
+                <a:solidFill>
+                  <a:schemeClr val="tx2"/>
+                </a:solidFill>
+              </a:defRPr>
+            </a:lvl8pPr>
+            <a:lvl9pPr eaLnBrk="1" hangingPunct="1">
+              <a:defRPr>
+                <a:solidFill>
+                  <a:schemeClr val="tx2"/>
+                </a:solidFill>
+              </a:defRPr>
+            </a:lvl9pPr>
+          </a:lstStyle>
+          <a:p>
+            <a:pPr lvl="0"/>
+            <a:r>
+              <a:rPr kumimoji="0" lang="zh-TW" altLang="en-US" sz="3600" b="0" i="0" u="none" strike="noStrike" kern="1200" cap="none" spc="0" normalizeH="0" baseline="0" noProof="0" dirty="0">
+                <a:ln>
+                  <a:noFill/>
+                </a:ln>
+                <a:solidFill>
+                  <a:schemeClr val="tx1"/>
+                </a:solidFill>
+                <a:effectLst/>
+                <a:uLnTx/>
+                <a:uFillTx/>
+                <a:latin typeface="UD デジタル 教科書体 NK-R" panose="02020400000000000000" pitchFamily="18" charset="-128"/>
+                <a:ea typeface="UD デジタル 教科書体 NK-R" panose="02020400000000000000" pitchFamily="18" charset="-128"/>
+              </a:rPr>
+              <a:t>網站</a:t>
+            </a:r>
+            <a:r>
+              <a:rPr kumimoji="0" lang="ja-JP" altLang="en-US" sz="3600" b="0" i="0" u="none" strike="noStrike" kern="1200" cap="none" spc="0" normalizeH="0" baseline="0" noProof="0" dirty="0">
+                <a:ln>
+                  <a:noFill/>
+                </a:ln>
+                <a:solidFill>
+                  <a:schemeClr val="tx1"/>
+                </a:solidFill>
+                <a:effectLst/>
+                <a:uLnTx/>
+                <a:uFillTx/>
+                <a:latin typeface="UD デジタル 教科書体 NK-R" panose="02020400000000000000" pitchFamily="18" charset="-128"/>
+                <a:ea typeface="UD デジタル 教科書体 NK-R" panose="02020400000000000000" pitchFamily="18" charset="-128"/>
+              </a:rPr>
+              <a:t>説</a:t>
+            </a:r>
+            <a:r>
+              <a:rPr kumimoji="0" lang="zh-TW" altLang="en-US" sz="3600" b="0" i="0" u="none" strike="noStrike" kern="1200" cap="none" spc="0" normalizeH="0" baseline="0" noProof="0" dirty="0">
+                <a:ln>
+                  <a:noFill/>
+                </a:ln>
+                <a:solidFill>
+                  <a:schemeClr val="tx1"/>
+                </a:solidFill>
+                <a:effectLst/>
+                <a:uLnTx/>
+                <a:uFillTx/>
+                <a:latin typeface="UD デジタル 教科書体 NK-R" panose="02020400000000000000" pitchFamily="18" charset="-128"/>
+                <a:ea typeface="UD デジタル 教科書体 NK-R" panose="02020400000000000000" pitchFamily="18" charset="-128"/>
+              </a:rPr>
+              <a:t>明</a:t>
+            </a:r>
+          </a:p>
+        </p:txBody>
+      </p:sp>
+      <p:sp>
+        <p:nvSpPr>
+          <p:cNvPr id="7" name="內容版面配置區 2">
+            <a:extLst>
+              <a:ext uri="{FF2B5EF4-FFF2-40B4-BE49-F238E27FC236}">
+                <a16:creationId xmlns:a16="http://schemas.microsoft.com/office/drawing/2014/main" id="{B4B4624F-38E8-446C-8673-BE7795AFF4E4}"/>
+              </a:ext>
+            </a:extLst>
+          </p:cNvPr>
+          <p:cNvSpPr txBox="1">
+            <a:spLocks/>
+          </p:cNvSpPr>
+          <p:nvPr/>
+        </p:nvSpPr>
+        <p:spPr>
+          <a:xfrm>
+            <a:off x="677334" y="1930400"/>
+            <a:ext cx="8596668" cy="4110962"/>
+          </a:xfrm>
+          <a:prstGeom prst="rect">
+            <a:avLst/>
+          </a:prstGeom>
+        </p:spPr>
+        <p:txBody>
+          <a:bodyPr vert="horz" lIns="91440" tIns="45720" rIns="91440" bIns="45720" rtlCol="0">
+            <a:normAutofit/>
+          </a:bodyPr>
+          <a:lstStyle>
+            <a:lvl1pPr marL="342900" indent="-342900" algn="l" defTabSz="457200" rtl="0" eaLnBrk="1" latinLnBrk="0" hangingPunct="1">
+              <a:spcBef>
+                <a:spcPts val="1000"/>
+              </a:spcBef>
+              <a:spcAft>
+                <a:spcPts val="0"/>
+              </a:spcAft>
+              <a:buClr>
+                <a:schemeClr val="accent1">
+                  <a:lumMod val="75000"/>
+                </a:schemeClr>
+              </a:buClr>
+              <a:buSzPct val="80000"/>
+              <a:buFont typeface="Wingdings 3" charset="2"/>
+              <a:buChar char=""/>
+              <a:defRPr sz="1800" kern="1200">
+                <a:solidFill>
+                  <a:schemeClr val="tx1">
+                    <a:lumMod val="75000"/>
+                    <a:lumOff val="25000"/>
+                  </a:schemeClr>
+                </a:solidFill>
+                <a:latin typeface="+mn-lt"/>
+                <a:ea typeface="+mn-ea"/>
+                <a:cs typeface="+mn-cs"/>
+              </a:defRPr>
+            </a:lvl1pPr>
+            <a:lvl2pPr marL="742950" indent="-285750" algn="l" defTabSz="457200" rtl="0" eaLnBrk="1" latinLnBrk="0" hangingPunct="1">
+              <a:spcBef>
+                <a:spcPts val="1000"/>
+              </a:spcBef>
+              <a:spcAft>
+                <a:spcPts val="0"/>
+              </a:spcAft>
+              <a:buClr>
+                <a:schemeClr val="accent1">
+                  <a:lumMod val="75000"/>
+                </a:schemeClr>
+              </a:buClr>
+              <a:buSzPct val="80000"/>
+              <a:buFont typeface="Wingdings 3" charset="2"/>
+              <a:buChar char=""/>
+              <a:defRPr sz="1600" kern="1200">
+                <a:solidFill>
+                  <a:schemeClr val="tx1">
+                    <a:lumMod val="75000"/>
+                    <a:lumOff val="25000"/>
+                  </a:schemeClr>
+                </a:solidFill>
+                <a:latin typeface="+mn-lt"/>
+                <a:ea typeface="+mn-ea"/>
+                <a:cs typeface="+mn-cs"/>
+              </a:defRPr>
+            </a:lvl2pPr>
+            <a:lvl3pPr marL="1143000" indent="-228600" algn="l" defTabSz="457200" rtl="0" eaLnBrk="1" latinLnBrk="0" hangingPunct="1">
+              <a:spcBef>
+                <a:spcPts val="1000"/>
+              </a:spcBef>
+              <a:spcAft>
+                <a:spcPts val="0"/>
+              </a:spcAft>
+              <a:buClr>
+                <a:schemeClr val="accent1">
+                  <a:lumMod val="75000"/>
+                </a:schemeClr>
+              </a:buClr>
+              <a:buSzPct val="80000"/>
+              <a:buFont typeface="Wingdings 3" charset="2"/>
+              <a:buChar char=""/>
+              <a:defRPr sz="1400" kern="1200">
+                <a:solidFill>
+                  <a:schemeClr val="tx1">
+                    <a:lumMod val="75000"/>
+                    <a:lumOff val="25000"/>
+                  </a:schemeClr>
+                </a:solidFill>
+                <a:latin typeface="+mn-lt"/>
+                <a:ea typeface="+mn-ea"/>
+                <a:cs typeface="+mn-cs"/>
+              </a:defRPr>
+            </a:lvl3pPr>
+            <a:lvl4pPr marL="1600200" indent="-228600" algn="l" defTabSz="457200" rtl="0" eaLnBrk="1" latinLnBrk="0" hangingPunct="1">
+              <a:spcBef>
+                <a:spcPts val="1000"/>
+              </a:spcBef>
+              <a:spcAft>
+                <a:spcPts val="0"/>
+              </a:spcAft>
+              <a:buClr>
+                <a:schemeClr val="accent1">
+                  <a:lumMod val="75000"/>
+                </a:schemeClr>
+              </a:buClr>
+              <a:buSzPct val="80000"/>
+              <a:buFont typeface="Wingdings 3" charset="2"/>
+              <a:buChar char=""/>
+              <a:defRPr sz="1200" kern="1200">
+                <a:solidFill>
+                  <a:schemeClr val="tx1">
+                    <a:lumMod val="75000"/>
+                    <a:lumOff val="25000"/>
+                  </a:schemeClr>
+                </a:solidFill>
+                <a:latin typeface="+mn-lt"/>
+                <a:ea typeface="+mn-ea"/>
+                <a:cs typeface="+mn-cs"/>
+              </a:defRPr>
+            </a:lvl4pPr>
+            <a:lvl5pPr marL="2057400" indent="-228600" algn="l" defTabSz="457200" rtl="0" eaLnBrk="1" latinLnBrk="0" hangingPunct="1">
+              <a:spcBef>
+                <a:spcPts val="1000"/>
+              </a:spcBef>
+              <a:spcAft>
+                <a:spcPts val="0"/>
+              </a:spcAft>
+              <a:buClr>
+                <a:schemeClr val="accent1">
+                  <a:lumMod val="75000"/>
+                </a:schemeClr>
+              </a:buClr>
+              <a:buSzPct val="80000"/>
+              <a:buFont typeface="Wingdings 3" charset="2"/>
+              <a:buChar char=""/>
+              <a:defRPr sz="1200" kern="1200">
+                <a:solidFill>
+                  <a:schemeClr val="tx1">
+                    <a:lumMod val="75000"/>
+                    <a:lumOff val="25000"/>
+                  </a:schemeClr>
+                </a:solidFill>
+                <a:latin typeface="+mn-lt"/>
+                <a:ea typeface="+mn-ea"/>
+                <a:cs typeface="+mn-cs"/>
+              </a:defRPr>
+            </a:lvl5pPr>
+            <a:lvl6pPr marL="2514600" indent="-228600" algn="l" defTabSz="457200" rtl="0" eaLnBrk="1" latinLnBrk="0" hangingPunct="1">
+              <a:spcBef>
+                <a:spcPts val="1000"/>
+              </a:spcBef>
+              <a:spcAft>
+                <a:spcPts val="0"/>
+              </a:spcAft>
+              <a:buClr>
+                <a:schemeClr val="accent1">
+                  <a:lumMod val="75000"/>
+                </a:schemeClr>
+              </a:buClr>
+              <a:buSzPct val="80000"/>
+              <a:buFont typeface="Wingdings 3" charset="2"/>
+              <a:buChar char=""/>
+              <a:defRPr sz="1200" kern="1200">
+                <a:solidFill>
+                  <a:schemeClr val="tx1">
+                    <a:lumMod val="75000"/>
+                    <a:lumOff val="25000"/>
+                  </a:schemeClr>
+                </a:solidFill>
+                <a:latin typeface="+mn-lt"/>
+                <a:ea typeface="+mn-ea"/>
+                <a:cs typeface="+mn-cs"/>
+              </a:defRPr>
+            </a:lvl6pPr>
+            <a:lvl7pPr marL="2971800" indent="-228600" algn="l" defTabSz="457200" rtl="0" eaLnBrk="1" latinLnBrk="0" hangingPunct="1">
+              <a:spcBef>
+                <a:spcPts val="1000"/>
+              </a:spcBef>
+              <a:spcAft>
+                <a:spcPts val="0"/>
+              </a:spcAft>
+              <a:buClr>
+                <a:schemeClr val="accent1">
+                  <a:lumMod val="75000"/>
+                </a:schemeClr>
+              </a:buClr>
+              <a:buSzPct val="80000"/>
+              <a:buFont typeface="Wingdings 3" charset="2"/>
+              <a:buChar char=""/>
+              <a:defRPr sz="1200" kern="1200">
+                <a:solidFill>
+                  <a:schemeClr val="tx1">
+                    <a:lumMod val="75000"/>
+                    <a:lumOff val="25000"/>
+                  </a:schemeClr>
+                </a:solidFill>
+                <a:latin typeface="+mn-lt"/>
+                <a:ea typeface="+mn-ea"/>
+                <a:cs typeface="+mn-cs"/>
+              </a:defRPr>
+            </a:lvl7pPr>
+            <a:lvl8pPr marL="3429000" indent="-228600" algn="l" defTabSz="457200" rtl="0" eaLnBrk="1" latinLnBrk="0" hangingPunct="1">
+              <a:spcBef>
+                <a:spcPts val="1000"/>
+              </a:spcBef>
+              <a:spcAft>
+                <a:spcPts val="0"/>
+              </a:spcAft>
+              <a:buClr>
+                <a:schemeClr val="accent1">
+                  <a:lumMod val="75000"/>
+                </a:schemeClr>
+              </a:buClr>
+              <a:buSzPct val="80000"/>
+              <a:buFont typeface="Wingdings 3" charset="2"/>
+              <a:buChar char=""/>
+              <a:defRPr sz="1200" kern="1200">
+                <a:solidFill>
+                  <a:schemeClr val="tx1">
+                    <a:lumMod val="75000"/>
+                    <a:lumOff val="25000"/>
+                  </a:schemeClr>
+                </a:solidFill>
+                <a:latin typeface="+mn-lt"/>
+                <a:ea typeface="+mn-ea"/>
+                <a:cs typeface="+mn-cs"/>
+              </a:defRPr>
+            </a:lvl8pPr>
+            <a:lvl9pPr marL="3886200" indent="-228600" algn="l" defTabSz="457200" rtl="0" eaLnBrk="1" latinLnBrk="0" hangingPunct="1">
+              <a:spcBef>
+                <a:spcPts val="1000"/>
+              </a:spcBef>
+              <a:spcAft>
+                <a:spcPts val="0"/>
+              </a:spcAft>
+              <a:buClr>
+                <a:schemeClr val="accent1">
+                  <a:lumMod val="75000"/>
+                </a:schemeClr>
+              </a:buClr>
+              <a:buSzPct val="80000"/>
+              <a:buFont typeface="Wingdings 3" charset="2"/>
+              <a:buChar char=""/>
+              <a:defRPr sz="1200" kern="1200">
+                <a:solidFill>
+                  <a:schemeClr val="tx1">
+                    <a:lumMod val="75000"/>
+                    <a:lumOff val="25000"/>
+                  </a:schemeClr>
+                </a:solidFill>
+                <a:latin typeface="+mn-lt"/>
+                <a:ea typeface="+mn-ea"/>
+                <a:cs typeface="+mn-cs"/>
+              </a:defRPr>
+            </a:lvl9pPr>
+          </a:lstStyle>
+          <a:p>
+            <a:pPr marL="342900" marR="0" lvl="0" indent="-342900" algn="l" defTabSz="457200" rtl="0" eaLnBrk="1" fontAlgn="auto" latinLnBrk="0" hangingPunct="1">
+              <a:lnSpc>
+                <a:spcPct val="100000"/>
+              </a:lnSpc>
+              <a:spcBef>
+                <a:spcPts val="1000"/>
+              </a:spcBef>
+              <a:spcAft>
+                <a:spcPts val="0"/>
+              </a:spcAft>
+              <a:buClr>
+                <a:schemeClr val="accent4"/>
+              </a:buClr>
+              <a:buSzPct val="80000"/>
+              <a:buFont typeface="Wingdings 3" charset="2"/>
+              <a:buChar char=""/>
+              <a:tabLst/>
+              <a:defRPr/>
+            </a:pPr>
+            <a:r>
+              <a:rPr kumimoji="0" lang="zh-TW" altLang="en-US" sz="1800" b="0" i="0" u="none" strike="noStrike" kern="1200" cap="none" spc="0" normalizeH="0" baseline="0" noProof="0" dirty="0">
+                <a:ln>
+                  <a:noFill/>
+                </a:ln>
+                <a:solidFill>
+                  <a:schemeClr val="tx1"/>
+                </a:solidFill>
+                <a:effectLst/>
+                <a:uLnTx/>
+                <a:uFillTx/>
+                <a:latin typeface="DFGirlW7-B5" panose="040F0709000000000000" pitchFamily="81" charset="-120"/>
+                <a:ea typeface="DFGirlW7-B5" panose="040F0709000000000000" pitchFamily="81" charset="-120"/>
+              </a:rPr>
+              <a:t>因時間與身體因素，只完成了一部份小遊戲與實作出遊戲本身的系統，遊戲劇情也尚未建構完成，為求頁面執行的通順，所以某些系統只有寫出程式原始碼，沒有實際執行。</a:t>
+            </a:r>
+            <a:endParaRPr kumimoji="0" lang="en-US" altLang="zh-TW" sz="1800" b="0" i="0" u="none" strike="noStrike" kern="1200" cap="none" spc="0" normalizeH="0" baseline="0" noProof="0" dirty="0">
+              <a:ln>
+                <a:noFill/>
+              </a:ln>
+              <a:solidFill>
+                <a:schemeClr val="tx1"/>
+              </a:solidFill>
+              <a:effectLst/>
+              <a:uLnTx/>
+              <a:uFillTx/>
+              <a:latin typeface="DFGirlW7-B5" panose="040F0709000000000000" pitchFamily="81" charset="-120"/>
+              <a:ea typeface="DFGirlW7-B5" panose="040F0709000000000000" pitchFamily="81" charset="-120"/>
+            </a:endParaRPr>
+          </a:p>
+          <a:p>
+            <a:pPr marL="342900" marR="0" lvl="0" indent="-342900" algn="l" defTabSz="457200" rtl="0" eaLnBrk="1" fontAlgn="auto" latinLnBrk="0" hangingPunct="1">
+              <a:lnSpc>
+                <a:spcPct val="100000"/>
+              </a:lnSpc>
+              <a:spcBef>
+                <a:spcPts val="1000"/>
+              </a:spcBef>
+              <a:spcAft>
+                <a:spcPts val="0"/>
+              </a:spcAft>
+              <a:buClr>
+                <a:schemeClr val="accent4"/>
+              </a:buClr>
+              <a:buSzPct val="80000"/>
+              <a:buFont typeface="Wingdings 3" charset="2"/>
+              <a:buChar char=""/>
+              <a:tabLst/>
+              <a:defRPr/>
+            </a:pPr>
+            <a:endParaRPr lang="en-US" altLang="zh-TW" dirty="0">
+              <a:solidFill>
+                <a:schemeClr val="tx1"/>
+              </a:solidFill>
+              <a:latin typeface="DFGirlW7-B5" panose="040F0709000000000000" pitchFamily="81" charset="-120"/>
+              <a:ea typeface="DFGirlW7-B5" panose="040F0709000000000000" pitchFamily="81" charset="-120"/>
+            </a:endParaRPr>
+          </a:p>
+          <a:p>
+            <a:pPr marL="342900" marR="0" lvl="0" indent="-342900" algn="l" defTabSz="457200" rtl="0" eaLnBrk="1" fontAlgn="auto" latinLnBrk="0" hangingPunct="1">
+              <a:lnSpc>
+                <a:spcPct val="100000"/>
+              </a:lnSpc>
+              <a:spcBef>
+                <a:spcPts val="1000"/>
+              </a:spcBef>
+              <a:spcAft>
+                <a:spcPts val="0"/>
+              </a:spcAft>
+              <a:buClr>
+                <a:schemeClr val="accent4"/>
+              </a:buClr>
+              <a:buSzPct val="80000"/>
+              <a:buFont typeface="Wingdings 3" charset="2"/>
+              <a:buChar char=""/>
+              <a:tabLst/>
+              <a:defRPr/>
+            </a:pPr>
+            <a:endParaRPr lang="en-US" altLang="zh-TW" dirty="0">
+              <a:solidFill>
+                <a:schemeClr val="accent2">
+                  <a:lumMod val="60000"/>
+                  <a:lumOff val="40000"/>
+                </a:schemeClr>
+              </a:solidFill>
+              <a:latin typeface="DFGirlW7-B5" panose="040F0709000000000000" pitchFamily="81" charset="-120"/>
+              <a:ea typeface="DFGirlW7-B5" panose="040F0709000000000000" pitchFamily="81" charset="-120"/>
+            </a:endParaRPr>
+          </a:p>
+          <a:p>
+            <a:pPr marL="342900" marR="0" lvl="0" indent="-342900" algn="l" defTabSz="457200" rtl="0" eaLnBrk="1" fontAlgn="auto" latinLnBrk="0" hangingPunct="1">
+              <a:lnSpc>
+                <a:spcPct val="100000"/>
+              </a:lnSpc>
+              <a:spcBef>
+                <a:spcPts val="1000"/>
+              </a:spcBef>
+              <a:spcAft>
+                <a:spcPts val="0"/>
+              </a:spcAft>
+              <a:buClr>
+                <a:schemeClr val="accent4"/>
+              </a:buClr>
+              <a:buSzPct val="80000"/>
+              <a:buFont typeface="Wingdings 3" charset="2"/>
+              <a:buChar char=""/>
+              <a:tabLst/>
+              <a:defRPr/>
+            </a:pPr>
+            <a:endParaRPr lang="en-US" altLang="zh-TW" dirty="0">
+              <a:solidFill>
+                <a:schemeClr val="accent2">
+                  <a:lumMod val="60000"/>
+                  <a:lumOff val="40000"/>
+                </a:schemeClr>
+              </a:solidFill>
+              <a:latin typeface="DFGirlW7-B5" panose="040F0709000000000000" pitchFamily="81" charset="-120"/>
+              <a:ea typeface="DFGirlW7-B5" panose="040F0709000000000000" pitchFamily="81" charset="-120"/>
+            </a:endParaRPr>
+          </a:p>
+          <a:p>
+            <a:pPr marL="342900" marR="0" lvl="0" indent="-342900" algn="l" defTabSz="457200" rtl="0" eaLnBrk="1" fontAlgn="auto" latinLnBrk="0" hangingPunct="1">
+              <a:lnSpc>
+                <a:spcPct val="100000"/>
+              </a:lnSpc>
+              <a:spcBef>
+                <a:spcPts val="1000"/>
+              </a:spcBef>
+              <a:spcAft>
+                <a:spcPts val="0"/>
+              </a:spcAft>
+              <a:buClr>
+                <a:schemeClr val="accent4"/>
+              </a:buClr>
+              <a:buSzPct val="80000"/>
+              <a:buFont typeface="Wingdings 3" charset="2"/>
+              <a:buChar char=""/>
+              <a:tabLst/>
+              <a:defRPr/>
+            </a:pPr>
+            <a:endParaRPr lang="en-US" altLang="zh-TW" dirty="0">
+              <a:solidFill>
+                <a:schemeClr val="accent2">
+                  <a:lumMod val="60000"/>
+                  <a:lumOff val="40000"/>
+                </a:schemeClr>
+              </a:solidFill>
+              <a:latin typeface="DFGirlW7-B5" panose="040F0709000000000000" pitchFamily="81" charset="-120"/>
+              <a:ea typeface="DFGirlW7-B5" panose="040F0709000000000000" pitchFamily="81" charset="-120"/>
+            </a:endParaRPr>
+          </a:p>
+          <a:p>
+            <a:pPr marL="342900" marR="0" lvl="0" indent="-342900" algn="l" defTabSz="457200" rtl="0" eaLnBrk="1" fontAlgn="auto" latinLnBrk="0" hangingPunct="1">
+              <a:lnSpc>
+                <a:spcPct val="100000"/>
+              </a:lnSpc>
+              <a:spcBef>
+                <a:spcPts val="1000"/>
+              </a:spcBef>
+              <a:spcAft>
+                <a:spcPts val="0"/>
+              </a:spcAft>
+              <a:buClr>
+                <a:schemeClr val="accent4"/>
+              </a:buClr>
+              <a:buSzPct val="80000"/>
+              <a:buFont typeface="Wingdings 3" charset="2"/>
+              <a:buChar char=""/>
+              <a:tabLst/>
+              <a:defRPr/>
+            </a:pPr>
+            <a:endParaRPr lang="en-US" altLang="zh-TW" dirty="0">
+              <a:solidFill>
+                <a:schemeClr val="accent2">
+                  <a:lumMod val="60000"/>
+                  <a:lumOff val="40000"/>
+                </a:schemeClr>
+              </a:solidFill>
+              <a:latin typeface="DFGirlW7-B5" panose="040F0709000000000000" pitchFamily="81" charset="-120"/>
+              <a:ea typeface="DFGirlW7-B5" panose="040F0709000000000000" pitchFamily="81" charset="-120"/>
+            </a:endParaRPr>
+          </a:p>
+          <a:p>
+            <a:pPr marL="0" marR="0" lvl="0" indent="0" algn="l" defTabSz="457200" rtl="0" eaLnBrk="1" fontAlgn="auto" latinLnBrk="0" hangingPunct="1">
+              <a:lnSpc>
+                <a:spcPct val="100000"/>
+              </a:lnSpc>
+              <a:spcBef>
+                <a:spcPts val="1000"/>
+              </a:spcBef>
+              <a:spcAft>
+                <a:spcPts val="0"/>
+              </a:spcAft>
+              <a:buClr>
+                <a:schemeClr val="accent4"/>
+              </a:buClr>
+              <a:buSzPct val="80000"/>
+              <a:buNone/>
+              <a:tabLst/>
+              <a:defRPr/>
+            </a:pPr>
+            <a:endParaRPr lang="en-US" altLang="zh-TW" dirty="0">
+              <a:solidFill>
+                <a:schemeClr val="accent2">
+                  <a:lumMod val="60000"/>
+                  <a:lumOff val="40000"/>
+                </a:schemeClr>
+              </a:solidFill>
+              <a:latin typeface="DFGirlW7-B5" panose="040F0709000000000000" pitchFamily="81" charset="-120"/>
+              <a:ea typeface="DFGirlW7-B5" panose="040F0709000000000000" pitchFamily="81" charset="-120"/>
+            </a:endParaRPr>
+          </a:p>
+          <a:p>
+            <a:pPr marL="342900" marR="0" lvl="0" indent="-342900" algn="l" defTabSz="457200" rtl="0" eaLnBrk="1" fontAlgn="auto" latinLnBrk="0" hangingPunct="1">
+              <a:lnSpc>
+                <a:spcPct val="100000"/>
+              </a:lnSpc>
+              <a:spcBef>
+                <a:spcPts val="1000"/>
+              </a:spcBef>
+              <a:spcAft>
+                <a:spcPts val="0"/>
+              </a:spcAft>
+              <a:buClr>
+                <a:schemeClr val="accent4"/>
+              </a:buClr>
+              <a:buSzPct val="80000"/>
+              <a:buFont typeface="Wingdings 3" charset="2"/>
+              <a:buChar char=""/>
+              <a:tabLst/>
+              <a:defRPr/>
+            </a:pPr>
+            <a:r>
+              <a:rPr lang="zh-TW" altLang="en-US" dirty="0">
+                <a:solidFill>
+                  <a:schemeClr val="accent2">
+                    <a:lumMod val="60000"/>
+                    <a:lumOff val="40000"/>
+                  </a:schemeClr>
+                </a:solidFill>
+                <a:latin typeface="DFGirlW7-B5" panose="040F0709000000000000" pitchFamily="81" charset="-120"/>
+                <a:ea typeface="DFGirlW7-B5" panose="040F0709000000000000" pitchFamily="81" charset="-120"/>
+              </a:rPr>
+              <a:t>原先規劃的特色是，因為劇情有原案，所以可以配合原作做推廣</a:t>
+            </a:r>
+          </a:p>
+          <a:p>
+            <a:pPr marL="0" marR="0" lvl="0" indent="0" algn="l" defTabSz="457200" rtl="0" eaLnBrk="1" fontAlgn="auto" latinLnBrk="0" hangingPunct="1">
+              <a:lnSpc>
+                <a:spcPct val="100000"/>
+              </a:lnSpc>
+              <a:spcBef>
+                <a:spcPts val="1000"/>
+              </a:spcBef>
+              <a:spcAft>
+                <a:spcPts val="0"/>
+              </a:spcAft>
+              <a:buClr>
+                <a:schemeClr val="accent4"/>
+              </a:buClr>
+              <a:buSzPct val="80000"/>
+              <a:buNone/>
+              <a:tabLst/>
+              <a:defRPr/>
+            </a:pPr>
+            <a:endParaRPr kumimoji="0" lang="en-US" altLang="zh-TW" sz="1800" b="0" i="0" u="none" strike="noStrike" kern="1200" cap="none" spc="0" normalizeH="0" baseline="0" noProof="0" dirty="0">
+              <a:ln>
+                <a:noFill/>
+              </a:ln>
+              <a:solidFill>
+                <a:schemeClr val="accent2">
+                  <a:lumMod val="60000"/>
+                  <a:lumOff val="40000"/>
+                </a:schemeClr>
+              </a:solidFill>
+              <a:effectLst/>
+              <a:uLnTx/>
+              <a:uFillTx/>
+              <a:latin typeface="DFGirlW7-B5" panose="040F0709000000000000" pitchFamily="81" charset="-120"/>
+              <a:ea typeface="DFGirlW7-B5" panose="040F0709000000000000" pitchFamily="81" charset="-120"/>
+            </a:endParaRPr>
+          </a:p>
+        </p:txBody>
+      </p:sp>
+    </p:spTree>
+    <p:extLst>
+      <p:ext uri="{BB962C8B-B14F-4D97-AF65-F5344CB8AC3E}">
+        <p14:creationId xmlns:p14="http://schemas.microsoft.com/office/powerpoint/2010/main" val="1388716855"/>
+      </p:ext>
+    </p:extLst>
+  </p:cSld>
+  <p:clrMapOvr>
+    <a:masterClrMapping/>
+  </p:clrMapOvr>
+</p:sld>
+</file>
+
+<file path=ppt/slides/slide5.xml><?xml version="1.0" encoding="utf-8"?>
+<p:sld xmlns:a="http://schemas.openxmlformats.org/drawingml/2006/main" xmlns:r="http://schemas.openxmlformats.org/officeDocument/2006/relationships" xmlns:p="http://schemas.openxmlformats.org/presentationml/2006/main">
+  <p:cSld>
+    <p:spTree>
+      <p:nvGrpSpPr>
+        <p:cNvPr id="1" name=""/>
+        <p:cNvGrpSpPr/>
+        <p:nvPr/>
+      </p:nvGrpSpPr>
+      <p:grpSpPr>
+        <a:xfrm>
+          <a:off x="0" y="0"/>
+          <a:ext cx="0" cy="0"/>
+          <a:chOff x="0" y="0"/>
+          <a:chExt cx="0" cy="0"/>
+        </a:xfrm>
+      </p:grpSpPr>
+      <p:sp>
+        <p:nvSpPr>
+          <p:cNvPr id="6" name="標題 1">
+            <a:extLst>
+              <a:ext uri="{FF2B5EF4-FFF2-40B4-BE49-F238E27FC236}">
+                <a16:creationId xmlns:a16="http://schemas.microsoft.com/office/drawing/2014/main" id="{2172552F-11D2-4467-8DA2-78B49F692D02}"/>
+              </a:ext>
+            </a:extLst>
+          </p:cNvPr>
+          <p:cNvSpPr txBox="1">
+            <a:spLocks/>
+          </p:cNvSpPr>
+          <p:nvPr/>
+        </p:nvSpPr>
+        <p:spPr>
+          <a:xfrm>
+            <a:off x="677334" y="609600"/>
+            <a:ext cx="8596668" cy="695417"/>
+          </a:xfrm>
+          <a:prstGeom prst="rect">
+            <a:avLst/>
+          </a:prstGeom>
+        </p:spPr>
+        <p:txBody>
+          <a:bodyPr vert="horz" lIns="91440" tIns="45720" rIns="91440" bIns="45720" rtlCol="0" anchor="t">
+            <a:normAutofit/>
+          </a:bodyPr>
+          <a:lstStyle>
+            <a:lvl1pPr algn="l" defTabSz="457200" rtl="0" eaLnBrk="1" latinLnBrk="0" hangingPunct="1">
+              <a:spcBef>
+                <a:spcPct val="0"/>
+              </a:spcBef>
+              <a:buNone/>
+              <a:defRPr sz="3600" kern="1200">
+                <a:solidFill>
+                  <a:schemeClr val="accent1">
+                    <a:lumMod val="75000"/>
+                  </a:schemeClr>
+                </a:solidFill>
+                <a:latin typeface="+mj-lt"/>
+                <a:ea typeface="+mj-ea"/>
+                <a:cs typeface="+mj-cs"/>
+              </a:defRPr>
+            </a:lvl1pPr>
+            <a:lvl2pPr eaLnBrk="1" hangingPunct="1">
+              <a:defRPr>
+                <a:solidFill>
+                  <a:schemeClr val="tx2"/>
+                </a:solidFill>
+              </a:defRPr>
+            </a:lvl2pPr>
+            <a:lvl3pPr eaLnBrk="1" hangingPunct="1">
+              <a:defRPr>
+                <a:solidFill>
+                  <a:schemeClr val="tx2"/>
+                </a:solidFill>
+              </a:defRPr>
+            </a:lvl3pPr>
+            <a:lvl4pPr eaLnBrk="1" hangingPunct="1">
+              <a:defRPr>
+                <a:solidFill>
+                  <a:schemeClr val="tx2"/>
+                </a:solidFill>
+              </a:defRPr>
+            </a:lvl4pPr>
+            <a:lvl5pPr eaLnBrk="1" hangingPunct="1">
+              <a:defRPr>
+                <a:solidFill>
+                  <a:schemeClr val="tx2"/>
+                </a:solidFill>
+              </a:defRPr>
+            </a:lvl5pPr>
+            <a:lvl6pPr eaLnBrk="1" hangingPunct="1">
+              <a:defRPr>
+                <a:solidFill>
+                  <a:schemeClr val="tx2"/>
+                </a:solidFill>
+              </a:defRPr>
+            </a:lvl6pPr>
+            <a:lvl7pPr eaLnBrk="1" hangingPunct="1">
+              <a:defRPr>
+                <a:solidFill>
+                  <a:schemeClr val="tx2"/>
+                </a:solidFill>
+              </a:defRPr>
+            </a:lvl7pPr>
+            <a:lvl8pPr eaLnBrk="1" hangingPunct="1">
+              <a:defRPr>
+                <a:solidFill>
+                  <a:schemeClr val="tx2"/>
+                </a:solidFill>
+              </a:defRPr>
+            </a:lvl8pPr>
+            <a:lvl9pPr eaLnBrk="1" hangingPunct="1">
+              <a:defRPr>
+                <a:solidFill>
+                  <a:schemeClr val="tx2"/>
+                </a:solidFill>
+              </a:defRPr>
+            </a:lvl9pPr>
+          </a:lstStyle>
+          <a:p>
+            <a:pPr lvl="0"/>
+            <a:r>
+              <a:rPr kumimoji="0" lang="zh-TW" altLang="en-US" sz="3600" b="0" i="0" u="none" strike="noStrike" kern="1200" cap="none" spc="0" normalizeH="0" baseline="0" noProof="0" dirty="0">
+                <a:ln>
+                  <a:noFill/>
+                </a:ln>
+                <a:solidFill>
+                  <a:schemeClr val="tx1"/>
+                </a:solidFill>
+                <a:effectLst/>
+                <a:uLnTx/>
+                <a:uFillTx/>
+                <a:latin typeface="UD デジタル 教科書体 NK-R" panose="02020400000000000000" pitchFamily="18" charset="-128"/>
+                <a:ea typeface="UD デジタル 教科書体 NK-R" panose="02020400000000000000" pitchFamily="18" charset="-128"/>
+              </a:rPr>
+              <a:t>分工</a:t>
+            </a:r>
+          </a:p>
+        </p:txBody>
+      </p:sp>
+      <p:sp>
+        <p:nvSpPr>
+          <p:cNvPr id="7" name="內容版面配置區 2">
+            <a:extLst>
+              <a:ext uri="{FF2B5EF4-FFF2-40B4-BE49-F238E27FC236}">
+                <a16:creationId xmlns:a16="http://schemas.microsoft.com/office/drawing/2014/main" id="{B4B4624F-38E8-446C-8673-BE7795AFF4E4}"/>
+              </a:ext>
+            </a:extLst>
+          </p:cNvPr>
+          <p:cNvSpPr txBox="1">
+            <a:spLocks/>
+          </p:cNvSpPr>
+          <p:nvPr/>
+        </p:nvSpPr>
+        <p:spPr>
+          <a:xfrm>
+            <a:off x="677333" y="1930400"/>
+            <a:ext cx="11129967" cy="4110962"/>
+          </a:xfrm>
+          <a:prstGeom prst="rect">
+            <a:avLst/>
+          </a:prstGeom>
+        </p:spPr>
+        <p:txBody>
+          <a:bodyPr vert="horz" lIns="91440" tIns="45720" rIns="91440" bIns="45720" rtlCol="0">
+            <a:normAutofit/>
+          </a:bodyPr>
+          <a:lstStyle>
+            <a:lvl1pPr marL="342900" indent="-342900" algn="l" defTabSz="457200" rtl="0" eaLnBrk="1" latinLnBrk="0" hangingPunct="1">
+              <a:spcBef>
+                <a:spcPts val="1000"/>
+              </a:spcBef>
+              <a:spcAft>
+                <a:spcPts val="0"/>
+              </a:spcAft>
+              <a:buClr>
+                <a:schemeClr val="accent1">
+                  <a:lumMod val="75000"/>
+                </a:schemeClr>
+              </a:buClr>
+              <a:buSzPct val="80000"/>
+              <a:buFont typeface="Wingdings 3" charset="2"/>
+              <a:buChar char=""/>
+              <a:defRPr sz="1800" kern="1200">
+                <a:solidFill>
+                  <a:schemeClr val="tx1">
+                    <a:lumMod val="75000"/>
+                    <a:lumOff val="25000"/>
+                  </a:schemeClr>
+                </a:solidFill>
+                <a:latin typeface="+mn-lt"/>
+                <a:ea typeface="+mn-ea"/>
+                <a:cs typeface="+mn-cs"/>
+              </a:defRPr>
+            </a:lvl1pPr>
+            <a:lvl2pPr marL="742950" indent="-285750" algn="l" defTabSz="457200" rtl="0" eaLnBrk="1" latinLnBrk="0" hangingPunct="1">
+              <a:spcBef>
+                <a:spcPts val="1000"/>
+              </a:spcBef>
+              <a:spcAft>
+                <a:spcPts val="0"/>
+              </a:spcAft>
+              <a:buClr>
+                <a:schemeClr val="accent1">
+                  <a:lumMod val="75000"/>
+                </a:schemeClr>
+              </a:buClr>
+              <a:buSzPct val="80000"/>
+              <a:buFont typeface="Wingdings 3" charset="2"/>
+              <a:buChar char=""/>
+              <a:defRPr sz="1600" kern="1200">
+                <a:solidFill>
+                  <a:schemeClr val="tx1">
+                    <a:lumMod val="75000"/>
+                    <a:lumOff val="25000"/>
+                  </a:schemeClr>
+                </a:solidFill>
+                <a:latin typeface="+mn-lt"/>
+                <a:ea typeface="+mn-ea"/>
+                <a:cs typeface="+mn-cs"/>
+              </a:defRPr>
+            </a:lvl2pPr>
+            <a:lvl3pPr marL="1143000" indent="-228600" algn="l" defTabSz="457200" rtl="0" eaLnBrk="1" latinLnBrk="0" hangingPunct="1">
+              <a:spcBef>
+                <a:spcPts val="1000"/>
+              </a:spcBef>
+              <a:spcAft>
+                <a:spcPts val="0"/>
+              </a:spcAft>
+              <a:buClr>
+                <a:schemeClr val="accent1">
+                  <a:lumMod val="75000"/>
+                </a:schemeClr>
+              </a:buClr>
+              <a:buSzPct val="80000"/>
+              <a:buFont typeface="Wingdings 3" charset="2"/>
+              <a:buChar char=""/>
+              <a:defRPr sz="1400" kern="1200">
+                <a:solidFill>
+                  <a:schemeClr val="tx1">
+                    <a:lumMod val="75000"/>
+                    <a:lumOff val="25000"/>
+                  </a:schemeClr>
+                </a:solidFill>
+                <a:latin typeface="+mn-lt"/>
+                <a:ea typeface="+mn-ea"/>
+                <a:cs typeface="+mn-cs"/>
+              </a:defRPr>
+            </a:lvl3pPr>
+            <a:lvl4pPr marL="1600200" indent="-228600" algn="l" defTabSz="457200" rtl="0" eaLnBrk="1" latinLnBrk="0" hangingPunct="1">
+              <a:spcBef>
+                <a:spcPts val="1000"/>
+              </a:spcBef>
+              <a:spcAft>
+                <a:spcPts val="0"/>
+              </a:spcAft>
+              <a:buClr>
+                <a:schemeClr val="accent1">
+                  <a:lumMod val="75000"/>
+                </a:schemeClr>
+              </a:buClr>
+              <a:buSzPct val="80000"/>
+              <a:buFont typeface="Wingdings 3" charset="2"/>
+              <a:buChar char=""/>
+              <a:defRPr sz="1200" kern="1200">
+                <a:solidFill>
+                  <a:schemeClr val="tx1">
+                    <a:lumMod val="75000"/>
+                    <a:lumOff val="25000"/>
+                  </a:schemeClr>
+                </a:solidFill>
+                <a:latin typeface="+mn-lt"/>
+                <a:ea typeface="+mn-ea"/>
+                <a:cs typeface="+mn-cs"/>
+              </a:defRPr>
+            </a:lvl4pPr>
+            <a:lvl5pPr marL="2057400" indent="-228600" algn="l" defTabSz="457200" rtl="0" eaLnBrk="1" latinLnBrk="0" hangingPunct="1">
+              <a:spcBef>
+                <a:spcPts val="1000"/>
+              </a:spcBef>
+              <a:spcAft>
+                <a:spcPts val="0"/>
+              </a:spcAft>
+              <a:buClr>
+                <a:schemeClr val="accent1">
+                  <a:lumMod val="75000"/>
+                </a:schemeClr>
+              </a:buClr>
+              <a:buSzPct val="80000"/>
+              <a:buFont typeface="Wingdings 3" charset="2"/>
+              <a:buChar char=""/>
+              <a:defRPr sz="1200" kern="1200">
+                <a:solidFill>
+                  <a:schemeClr val="tx1">
+                    <a:lumMod val="75000"/>
+                    <a:lumOff val="25000"/>
+                  </a:schemeClr>
+                </a:solidFill>
+                <a:latin typeface="+mn-lt"/>
+                <a:ea typeface="+mn-ea"/>
+                <a:cs typeface="+mn-cs"/>
+              </a:defRPr>
+            </a:lvl5pPr>
+            <a:lvl6pPr marL="2514600" indent="-228600" algn="l" defTabSz="457200" rtl="0" eaLnBrk="1" latinLnBrk="0" hangingPunct="1">
+              <a:spcBef>
+                <a:spcPts val="1000"/>
+              </a:spcBef>
+              <a:spcAft>
+                <a:spcPts val="0"/>
+              </a:spcAft>
+              <a:buClr>
+                <a:schemeClr val="accent1">
+                  <a:lumMod val="75000"/>
+                </a:schemeClr>
+              </a:buClr>
+              <a:buSzPct val="80000"/>
+              <a:buFont typeface="Wingdings 3" charset="2"/>
+              <a:buChar char=""/>
+              <a:defRPr sz="1200" kern="1200">
+                <a:solidFill>
+                  <a:schemeClr val="tx1">
+                    <a:lumMod val="75000"/>
+                    <a:lumOff val="25000"/>
+                  </a:schemeClr>
+                </a:solidFill>
+                <a:latin typeface="+mn-lt"/>
+                <a:ea typeface="+mn-ea"/>
+                <a:cs typeface="+mn-cs"/>
+              </a:defRPr>
+            </a:lvl6pPr>
+            <a:lvl7pPr marL="2971800" indent="-228600" algn="l" defTabSz="457200" rtl="0" eaLnBrk="1" latinLnBrk="0" hangingPunct="1">
+              <a:spcBef>
+                <a:spcPts val="1000"/>
+              </a:spcBef>
+              <a:spcAft>
+                <a:spcPts val="0"/>
+              </a:spcAft>
+              <a:buClr>
+                <a:schemeClr val="accent1">
+                  <a:lumMod val="75000"/>
+                </a:schemeClr>
+              </a:buClr>
+              <a:buSzPct val="80000"/>
+              <a:buFont typeface="Wingdings 3" charset="2"/>
+              <a:buChar char=""/>
+              <a:defRPr sz="1200" kern="1200">
+                <a:solidFill>
+                  <a:schemeClr val="tx1">
+                    <a:lumMod val="75000"/>
+                    <a:lumOff val="25000"/>
+                  </a:schemeClr>
+                </a:solidFill>
+                <a:latin typeface="+mn-lt"/>
+                <a:ea typeface="+mn-ea"/>
+                <a:cs typeface="+mn-cs"/>
+              </a:defRPr>
+            </a:lvl7pPr>
+            <a:lvl8pPr marL="3429000" indent="-228600" algn="l" defTabSz="457200" rtl="0" eaLnBrk="1" latinLnBrk="0" hangingPunct="1">
+              <a:spcBef>
+                <a:spcPts val="1000"/>
+              </a:spcBef>
+              <a:spcAft>
+                <a:spcPts val="0"/>
+              </a:spcAft>
+              <a:buClr>
+                <a:schemeClr val="accent1">
+                  <a:lumMod val="75000"/>
+                </a:schemeClr>
+              </a:buClr>
+              <a:buSzPct val="80000"/>
+              <a:buFont typeface="Wingdings 3" charset="2"/>
+              <a:buChar char=""/>
+              <a:defRPr sz="1200" kern="1200">
+                <a:solidFill>
+                  <a:schemeClr val="tx1">
+                    <a:lumMod val="75000"/>
+                    <a:lumOff val="25000"/>
+                  </a:schemeClr>
+                </a:solidFill>
+                <a:latin typeface="+mn-lt"/>
+                <a:ea typeface="+mn-ea"/>
+                <a:cs typeface="+mn-cs"/>
+              </a:defRPr>
+            </a:lvl8pPr>
+            <a:lvl9pPr marL="3886200" indent="-228600" algn="l" defTabSz="457200" rtl="0" eaLnBrk="1" latinLnBrk="0" hangingPunct="1">
+              <a:spcBef>
+                <a:spcPts val="1000"/>
+              </a:spcBef>
+              <a:spcAft>
+                <a:spcPts val="0"/>
+              </a:spcAft>
+              <a:buClr>
+                <a:schemeClr val="accent1">
+                  <a:lumMod val="75000"/>
+                </a:schemeClr>
+              </a:buClr>
+              <a:buSzPct val="80000"/>
+              <a:buFont typeface="Wingdings 3" charset="2"/>
+              <a:buChar char=""/>
+              <a:defRPr sz="1200" kern="1200">
+                <a:solidFill>
+                  <a:schemeClr val="tx1">
+                    <a:lumMod val="75000"/>
+                    <a:lumOff val="25000"/>
+                  </a:schemeClr>
+                </a:solidFill>
+                <a:latin typeface="+mn-lt"/>
+                <a:ea typeface="+mn-ea"/>
+                <a:cs typeface="+mn-cs"/>
+              </a:defRPr>
+            </a:lvl9pPr>
+          </a:lstStyle>
+          <a:p>
+            <a:r>
+              <a:rPr lang="zh-TW" altLang="en-US" dirty="0">
+                <a:latin typeface="UD デジタル 教科書体 NK-R" panose="02020400000000000000" pitchFamily="18" charset="-128"/>
+                <a:ea typeface="UD デジタル 教科書体 NK-R" panose="02020400000000000000" pitchFamily="18" charset="-128"/>
+              </a:rPr>
+              <a:t>洪鈺凱</a:t>
+            </a:r>
+            <a:r>
+              <a:rPr lang="en-US" altLang="zh-TW" dirty="0">
+                <a:latin typeface="UD デジタル 教科書体 NK-R" panose="02020400000000000000" pitchFamily="18" charset="-128"/>
+                <a:ea typeface="UD デジタル 教科書体 NK-R" panose="02020400000000000000" pitchFamily="18" charset="-128"/>
+              </a:rPr>
+              <a:t>(00757103)</a:t>
+            </a:r>
+            <a:r>
+              <a:rPr lang="zh-TW" altLang="en-US" dirty="0">
+                <a:latin typeface="UD デジタル 教科書体 NK-R" panose="02020400000000000000" pitchFamily="18" charset="-128"/>
+                <a:ea typeface="UD デジタル 教科書体 NK-R" panose="02020400000000000000" pitchFamily="18" charset="-128"/>
+              </a:rPr>
+              <a:t> </a:t>
+            </a:r>
+            <a:r>
+              <a:rPr lang="en-US" altLang="zh-TW" dirty="0">
+                <a:latin typeface="UD デジタル 教科書体 NK-R" panose="02020400000000000000" pitchFamily="18" charset="-128"/>
+                <a:ea typeface="UD デジタル 教科書体 NK-R" panose="02020400000000000000" pitchFamily="18" charset="-128"/>
+              </a:rPr>
+              <a:t>:</a:t>
+            </a:r>
+          </a:p>
+          <a:p>
+            <a:pPr marL="0" indent="0">
+              <a:buNone/>
+            </a:pPr>
+            <a:r>
+              <a:rPr kumimoji="0" lang="en-US" altLang="zh-TW" sz="1800" b="0" i="0" u="none" strike="noStrike" kern="1200" cap="none" spc="0" normalizeH="0" baseline="0" noProof="0" dirty="0">
+                <a:ln>
+                  <a:noFill/>
+                </a:ln>
+                <a:solidFill>
+                  <a:schemeClr val="tx1"/>
+                </a:solidFill>
+                <a:effectLst/>
+                <a:uLnTx/>
+                <a:uFillTx/>
+                <a:latin typeface="UD デジタル 教科書体 NK-R" panose="02020400000000000000" pitchFamily="18" charset="-128"/>
+                <a:ea typeface="UD デジタル 教科書体 NK-R" panose="02020400000000000000" pitchFamily="18" charset="-128"/>
+              </a:rPr>
+              <a:t>	</a:t>
+            </a:r>
+            <a:r>
+              <a:rPr kumimoji="0" lang="zh-TW" altLang="en-US" sz="1800" b="0" i="0" u="none" strike="noStrike" kern="1200" cap="none" spc="0" normalizeH="0" baseline="0" noProof="0" dirty="0">
+                <a:ln>
+                  <a:noFill/>
+                </a:ln>
+                <a:solidFill>
+                  <a:schemeClr val="tx1"/>
+                </a:solidFill>
+                <a:effectLst/>
+                <a:uLnTx/>
+                <a:uFillTx/>
+                <a:latin typeface="UD デジタル 教科書体 NK-R" panose="02020400000000000000" pitchFamily="18" charset="-128"/>
+                <a:ea typeface="UD デジタル 教科書体 NK-R" panose="02020400000000000000" pitchFamily="18" charset="-128"/>
+              </a:rPr>
+              <a:t>專案整合、</a:t>
+            </a:r>
+            <a:r>
+              <a:rPr kumimoji="0" lang="zh-TW" altLang="en-US" sz="1800" b="0" i="0" u="none" strike="noStrike" kern="1200" cap="none" spc="0" normalizeH="0" baseline="0" noProof="0" dirty="0">
+                <a:ln>
+                  <a:noFill/>
+                </a:ln>
+                <a:solidFill>
+                  <a:schemeClr val="accent3">
+                    <a:lumMod val="75000"/>
+                  </a:schemeClr>
+                </a:solidFill>
+                <a:effectLst/>
+                <a:uLnTx/>
+                <a:uFillTx/>
+                <a:latin typeface="UD デジタル 教科書体 NK-R" panose="02020400000000000000" pitchFamily="18" charset="-128"/>
+                <a:ea typeface="UD デジタル 教科書体 NK-R" panose="02020400000000000000" pitchFamily="18" charset="-128"/>
+              </a:rPr>
+              <a:t>專案優化</a:t>
+            </a:r>
+            <a:endParaRPr kumimoji="0" lang="en-US" altLang="zh-TW" sz="1800" b="0" i="0" u="none" strike="noStrike" kern="1200" cap="none" spc="0" normalizeH="0" baseline="0" noProof="0" dirty="0">
+              <a:ln>
+                <a:noFill/>
+              </a:ln>
+              <a:solidFill>
+                <a:schemeClr val="accent3">
+                  <a:lumMod val="75000"/>
+                </a:schemeClr>
+              </a:solidFill>
+              <a:effectLst/>
+              <a:uLnTx/>
+              <a:uFillTx/>
+              <a:latin typeface="UD デジタル 教科書体 NK-R" panose="02020400000000000000" pitchFamily="18" charset="-128"/>
+              <a:ea typeface="UD デジタル 教科書体 NK-R" panose="02020400000000000000" pitchFamily="18" charset="-128"/>
+            </a:endParaRPr>
+          </a:p>
+          <a:p>
+            <a:pPr marL="0" indent="0">
+              <a:buNone/>
+            </a:pPr>
+            <a:r>
+              <a:rPr lang="en-US" altLang="zh-TW" dirty="0">
+                <a:solidFill>
+                  <a:schemeClr val="tx1"/>
+                </a:solidFill>
+                <a:latin typeface="UD デジタル 教科書体 NK-R" panose="02020400000000000000" pitchFamily="18" charset="-128"/>
+                <a:ea typeface="UD デジタル 教科書体 NK-R" panose="02020400000000000000" pitchFamily="18" charset="-128"/>
+              </a:rPr>
+              <a:t>	</a:t>
+            </a:r>
+            <a:r>
+              <a:rPr lang="zh-TW" altLang="en-US" dirty="0">
+                <a:solidFill>
+                  <a:schemeClr val="tx1"/>
+                </a:solidFill>
+                <a:latin typeface="UD デジタル 教科書体 NK-R" panose="02020400000000000000" pitchFamily="18" charset="-128"/>
+                <a:ea typeface="UD デジタル 教科書体 NK-R" panose="02020400000000000000" pitchFamily="18" charset="-128"/>
+              </a:rPr>
+              <a:t>遊戲系統規劃與製作、遊戲劇情規劃、</a:t>
+            </a:r>
+            <a:r>
+              <a:rPr lang="zh-TW" altLang="en-US" dirty="0">
+                <a:solidFill>
+                  <a:schemeClr val="accent3">
+                    <a:lumMod val="75000"/>
+                  </a:schemeClr>
+                </a:solidFill>
+                <a:latin typeface="UD デジタル 教科書体 NK-R" panose="02020400000000000000" pitchFamily="18" charset="-128"/>
+                <a:ea typeface="UD デジタル 教科書体 NK-R" panose="02020400000000000000" pitchFamily="18" charset="-128"/>
+              </a:rPr>
+              <a:t>遊戲劇情製作</a:t>
+            </a:r>
+            <a:r>
+              <a:rPr lang="zh-TW" altLang="en-US" dirty="0">
+                <a:solidFill>
+                  <a:schemeClr val="tx1"/>
+                </a:solidFill>
+                <a:latin typeface="UD デジタル 教科書体 NK-R" panose="02020400000000000000" pitchFamily="18" charset="-128"/>
+                <a:ea typeface="UD デジタル 教科書体 NK-R" panose="02020400000000000000" pitchFamily="18" charset="-128"/>
+              </a:rPr>
+              <a:t>、角色設計與製作、美術設計、</a:t>
+            </a:r>
+            <a:r>
+              <a:rPr lang="zh-TW" altLang="en-US" dirty="0">
+                <a:solidFill>
+                  <a:schemeClr val="accent3">
+                    <a:lumMod val="75000"/>
+                  </a:schemeClr>
+                </a:solidFill>
+                <a:latin typeface="UD デジタル 教科書体 NK-R" panose="02020400000000000000" pitchFamily="18" charset="-128"/>
+                <a:ea typeface="UD デジタル 教科書体 NK-R" panose="02020400000000000000" pitchFamily="18" charset="-128"/>
+              </a:rPr>
+              <a:t>美術製作</a:t>
+            </a:r>
+            <a:endParaRPr kumimoji="0" lang="en-US" altLang="zh-TW" sz="1800" b="0" i="0" u="none" strike="noStrike" kern="1200" cap="none" spc="0" normalizeH="0" baseline="0" noProof="0" dirty="0">
+              <a:ln>
+                <a:noFill/>
+              </a:ln>
+              <a:solidFill>
+                <a:schemeClr val="tx1"/>
+              </a:solidFill>
+              <a:effectLst/>
+              <a:uLnTx/>
+              <a:uFillTx/>
+              <a:latin typeface="UD デジタル 教科書体 NK-R" panose="02020400000000000000" pitchFamily="18" charset="-128"/>
+              <a:ea typeface="UD デジタル 教科書体 NK-R" panose="02020400000000000000" pitchFamily="18" charset="-128"/>
+            </a:endParaRPr>
+          </a:p>
+          <a:p>
+            <a:pPr marL="0" indent="0">
+              <a:buNone/>
+            </a:pPr>
+            <a:r>
+              <a:rPr lang="en-US" altLang="zh-TW" dirty="0">
+                <a:solidFill>
+                  <a:schemeClr val="tx1"/>
+                </a:solidFill>
+                <a:latin typeface="UD デジタル 教科書体 NK-R" panose="02020400000000000000" pitchFamily="18" charset="-128"/>
+                <a:ea typeface="UD デジタル 教科書体 NK-R" panose="02020400000000000000" pitchFamily="18" charset="-128"/>
+              </a:rPr>
+              <a:t>	</a:t>
+            </a:r>
+            <a:r>
+              <a:rPr lang="zh-TW" altLang="en-US" dirty="0">
+                <a:solidFill>
+                  <a:schemeClr val="tx1"/>
+                </a:solidFill>
+                <a:latin typeface="UD デジタル 教科書体 NK-R" panose="02020400000000000000" pitchFamily="18" charset="-128"/>
+                <a:ea typeface="UD デジタル 教科書体 NK-R" panose="02020400000000000000" pitchFamily="18" charset="-128"/>
+              </a:rPr>
+              <a:t>小遊戲「</a:t>
+            </a:r>
+            <a:r>
+              <a:rPr lang="en-US" altLang="zh-TW" dirty="0">
+                <a:solidFill>
+                  <a:schemeClr val="tx1"/>
+                </a:solidFill>
+                <a:latin typeface="UD デジタル 教科書体 NK-R" panose="02020400000000000000" pitchFamily="18" charset="-128"/>
+                <a:ea typeface="UD デジタル 教科書体 NK-R" panose="02020400000000000000" pitchFamily="18" charset="-128"/>
+              </a:rPr>
+              <a:t>2048</a:t>
+            </a:r>
+            <a:r>
+              <a:rPr lang="zh-TW" altLang="en-US" dirty="0">
+                <a:solidFill>
+                  <a:schemeClr val="tx1"/>
+                </a:solidFill>
+                <a:latin typeface="UD デジタル 教科書体 NK-R" panose="02020400000000000000" pitchFamily="18" charset="-128"/>
+                <a:ea typeface="UD デジタル 教科書体 NK-R" panose="02020400000000000000" pitchFamily="18" charset="-128"/>
+              </a:rPr>
+              <a:t>」製作、</a:t>
+            </a:r>
+            <a:r>
+              <a:rPr lang="zh-TW" altLang="en-US" dirty="0">
+                <a:solidFill>
+                  <a:schemeClr val="accent3">
+                    <a:lumMod val="75000"/>
+                  </a:schemeClr>
+                </a:solidFill>
+                <a:latin typeface="UD デジタル 教科書体 NK-R" panose="02020400000000000000" pitchFamily="18" charset="-128"/>
+                <a:ea typeface="UD デジタル 教科書体 NK-R" panose="02020400000000000000" pitchFamily="18" charset="-128"/>
+              </a:rPr>
+              <a:t>小遊戲「小朋友下樓梯」製作</a:t>
+            </a:r>
+            <a:endParaRPr kumimoji="0" lang="en-US" altLang="zh-TW" sz="1800" b="0" i="0" u="none" strike="noStrike" kern="1200" cap="none" spc="0" normalizeH="0" baseline="0" noProof="0" dirty="0">
+              <a:ln>
+                <a:noFill/>
+              </a:ln>
+              <a:solidFill>
+                <a:schemeClr val="tx1"/>
+              </a:solidFill>
+              <a:effectLst/>
+              <a:uLnTx/>
+              <a:uFillTx/>
+              <a:latin typeface="UD デジタル 教科書体 NK-R" panose="02020400000000000000" pitchFamily="18" charset="-128"/>
+              <a:ea typeface="UD デジタル 教科書体 NK-R" panose="02020400000000000000" pitchFamily="18" charset="-128"/>
+            </a:endParaRPr>
+          </a:p>
+          <a:p>
+            <a:pPr marL="0" indent="0">
+              <a:buNone/>
+            </a:pPr>
+            <a:r>
+              <a:rPr lang="en-US" altLang="zh-TW" dirty="0">
+                <a:solidFill>
+                  <a:schemeClr val="tx1"/>
+                </a:solidFill>
+                <a:latin typeface="UD デジタル 教科書体 NK-R" panose="02020400000000000000" pitchFamily="18" charset="-128"/>
+                <a:ea typeface="UD デジタル 教科書体 NK-R" panose="02020400000000000000" pitchFamily="18" charset="-128"/>
+              </a:rPr>
+              <a:t>	</a:t>
+            </a:r>
+            <a:r>
+              <a:rPr lang="zh-TW" altLang="en-US" dirty="0">
+                <a:solidFill>
+                  <a:schemeClr val="tx1"/>
+                </a:solidFill>
+                <a:latin typeface="UD デジタル 教科書体 NK-R" panose="02020400000000000000" pitchFamily="18" charset="-128"/>
+                <a:ea typeface="UD デジタル 教科書体 NK-R" panose="02020400000000000000" pitchFamily="18" charset="-128"/>
+              </a:rPr>
+              <a:t>草案</a:t>
+            </a:r>
+            <a:r>
+              <a:rPr lang="en-US" altLang="zh-TW" dirty="0">
+                <a:latin typeface="UD デジタル 教科書体 NK-R" panose="02020400000000000000" pitchFamily="18" charset="-128"/>
+                <a:ea typeface="UD デジタル 教科書体 NK-R" panose="02020400000000000000" pitchFamily="18" charset="-128"/>
+              </a:rPr>
+              <a:t>PowerPoint</a:t>
+            </a:r>
+            <a:r>
+              <a:rPr lang="zh-TW" altLang="en-US" dirty="0">
+                <a:latin typeface="UD デジタル 教科書体 NK-R" panose="02020400000000000000" pitchFamily="18" charset="-128"/>
+                <a:ea typeface="UD デジタル 教科書体 NK-R" panose="02020400000000000000" pitchFamily="18" charset="-128"/>
+              </a:rPr>
+              <a:t>規劃、製作及美工</a:t>
+            </a:r>
+            <a:endParaRPr lang="en-US" altLang="zh-TW" dirty="0">
+              <a:latin typeface="UD デジタル 教科書体 NK-R" panose="02020400000000000000" pitchFamily="18" charset="-128"/>
+              <a:ea typeface="UD デジタル 教科書体 NK-R" panose="02020400000000000000" pitchFamily="18" charset="-128"/>
+            </a:endParaRPr>
+          </a:p>
+          <a:p>
+            <a:r>
+              <a:rPr lang="zh-TW" altLang="en-US" dirty="0">
+                <a:latin typeface="UD デジタル 教科書体 NK-R" panose="02020400000000000000" pitchFamily="18" charset="-128"/>
+                <a:ea typeface="UD デジタル 教科書体 NK-R" panose="02020400000000000000" pitchFamily="18" charset="-128"/>
+              </a:rPr>
+              <a:t>劉永萱</a:t>
+            </a:r>
+            <a:r>
+              <a:rPr lang="en-US" altLang="zh-TW" dirty="0">
+                <a:latin typeface="UD デジタル 教科書体 NK-R" panose="02020400000000000000" pitchFamily="18" charset="-128"/>
+                <a:ea typeface="UD デジタル 教科書体 NK-R" panose="02020400000000000000" pitchFamily="18" charset="-128"/>
+              </a:rPr>
+              <a:t>(00757129)</a:t>
+            </a:r>
+            <a:r>
+              <a:rPr lang="zh-TW" altLang="en-US" dirty="0">
+                <a:latin typeface="UD デジタル 教科書体 NK-R" panose="02020400000000000000" pitchFamily="18" charset="-128"/>
+                <a:ea typeface="UD デジタル 教科書体 NK-R" panose="02020400000000000000" pitchFamily="18" charset="-128"/>
+              </a:rPr>
+              <a:t> </a:t>
+            </a:r>
+            <a:r>
+              <a:rPr lang="en-US" altLang="zh-TW" dirty="0">
+                <a:latin typeface="UD デジタル 教科書体 NK-R" panose="02020400000000000000" pitchFamily="18" charset="-128"/>
+                <a:ea typeface="UD デジタル 教科書体 NK-R" panose="02020400000000000000" pitchFamily="18" charset="-128"/>
+              </a:rPr>
+              <a:t>:</a:t>
+            </a:r>
+            <a:r>
+              <a:rPr lang="zh-TW" altLang="en-US" dirty="0">
+                <a:latin typeface="UD デジタル 教科書体 NK-R" panose="02020400000000000000" pitchFamily="18" charset="-128"/>
+                <a:ea typeface="UD デジタル 教科書体 NK-R" panose="02020400000000000000" pitchFamily="18" charset="-128"/>
+              </a:rPr>
+              <a:t> </a:t>
+            </a:r>
+            <a:endParaRPr lang="en-US" altLang="zh-TW" dirty="0">
+              <a:latin typeface="UD デジタル 教科書体 NK-R" panose="02020400000000000000" pitchFamily="18" charset="-128"/>
+              <a:ea typeface="UD デジタル 教科書体 NK-R" panose="02020400000000000000" pitchFamily="18" charset="-128"/>
+            </a:endParaRPr>
+          </a:p>
+          <a:p>
+            <a:pPr marL="0" indent="0">
+              <a:buNone/>
+            </a:pPr>
+            <a:r>
+              <a:rPr lang="en-US" altLang="zh-TW" dirty="0">
+                <a:latin typeface="UD デジタル 教科書体 NK-R" panose="02020400000000000000" pitchFamily="18" charset="-128"/>
+                <a:ea typeface="UD デジタル 教科書体 NK-R" panose="02020400000000000000" pitchFamily="18" charset="-128"/>
+              </a:rPr>
+              <a:t>	</a:t>
+            </a:r>
+            <a:r>
+              <a:rPr lang="zh-TW" altLang="en-US" dirty="0">
+                <a:latin typeface="UD デジタル 教科書体 NK-R" panose="02020400000000000000" pitchFamily="18" charset="-128"/>
+                <a:ea typeface="UD デジタル 教科書体 NK-R" panose="02020400000000000000" pitchFamily="18" charset="-128"/>
+              </a:rPr>
+              <a:t>專案構思</a:t>
+            </a:r>
+            <a:endParaRPr lang="en-US" altLang="zh-TW" dirty="0">
+              <a:latin typeface="UD デジタル 教科書体 NK-R" panose="02020400000000000000" pitchFamily="18" charset="-128"/>
+              <a:ea typeface="UD デジタル 教科書体 NK-R" panose="02020400000000000000" pitchFamily="18" charset="-128"/>
+            </a:endParaRPr>
+          </a:p>
+          <a:p>
+            <a:pPr marL="0" indent="0">
+              <a:buNone/>
+            </a:pPr>
+            <a:r>
+              <a:rPr lang="en-US" altLang="zh-TW" dirty="0">
+                <a:latin typeface="UD デジタル 教科書体 NK-R" panose="02020400000000000000" pitchFamily="18" charset="-128"/>
+                <a:ea typeface="UD デジタル 教科書体 NK-R" panose="02020400000000000000" pitchFamily="18" charset="-128"/>
+              </a:rPr>
+              <a:t>	</a:t>
+            </a:r>
+            <a:r>
+              <a:rPr lang="zh-TW" altLang="en-US" dirty="0">
+                <a:latin typeface="UD デジタル 教科書体 NK-R" panose="02020400000000000000" pitchFamily="18" charset="-128"/>
+                <a:ea typeface="UD デジタル 教科書体 NK-R" panose="02020400000000000000" pitchFamily="18" charset="-128"/>
+              </a:rPr>
+              <a:t>小遊戲「貪食蛇」製作</a:t>
+            </a:r>
+            <a:endParaRPr lang="en-US" altLang="zh-TW" dirty="0">
+              <a:latin typeface="UD デジタル 教科書体 NK-R" panose="02020400000000000000" pitchFamily="18" charset="-128"/>
+              <a:ea typeface="UD デジタル 教科書体 NK-R" panose="02020400000000000000" pitchFamily="18" charset="-128"/>
+            </a:endParaRPr>
+          </a:p>
+          <a:p>
+            <a:pPr marL="0" indent="0">
+              <a:buNone/>
+            </a:pPr>
+            <a:r>
+              <a:rPr lang="en-US" altLang="zh-TW" dirty="0">
+                <a:latin typeface="UD デジタル 教科書体 NK-R" panose="02020400000000000000" pitchFamily="18" charset="-128"/>
+                <a:ea typeface="UD デジタル 教科書体 NK-R" panose="02020400000000000000" pitchFamily="18" charset="-128"/>
+              </a:rPr>
+              <a:t>	</a:t>
+            </a:r>
+            <a:r>
+              <a:rPr lang="zh-TW" altLang="en-US" dirty="0">
+                <a:latin typeface="UD デジタル 教科書体 NK-R" panose="02020400000000000000" pitchFamily="18" charset="-128"/>
+                <a:ea typeface="UD デジタル 教科書体 NK-R" panose="02020400000000000000" pitchFamily="18" charset="-128"/>
+              </a:rPr>
+              <a:t>報告</a:t>
+            </a:r>
+            <a:r>
+              <a:rPr lang="en-US" altLang="zh-TW" dirty="0">
+                <a:latin typeface="UD デジタル 教科書体 NK-R" panose="02020400000000000000" pitchFamily="18" charset="-128"/>
+                <a:ea typeface="UD デジタル 教科書体 NK-R" panose="02020400000000000000" pitchFamily="18" charset="-128"/>
+              </a:rPr>
+              <a:t>PowerPoint</a:t>
+            </a:r>
+            <a:r>
+              <a:rPr lang="zh-TW" altLang="en-US" dirty="0">
+                <a:latin typeface="UD デジタル 教科書体 NK-R" panose="02020400000000000000" pitchFamily="18" charset="-128"/>
+                <a:ea typeface="UD デジタル 教科書体 NK-R" panose="02020400000000000000" pitchFamily="18" charset="-128"/>
+              </a:rPr>
+              <a:t>規劃、製作及美工</a:t>
+            </a:r>
+          </a:p>
+        </p:txBody>
+      </p:sp>
+    </p:spTree>
+    <p:extLst>
+      <p:ext uri="{BB962C8B-B14F-4D97-AF65-F5344CB8AC3E}">
+        <p14:creationId xmlns:p14="http://schemas.microsoft.com/office/powerpoint/2010/main" val="3003651735"/>
+      </p:ext>
+    </p:extLst>
+  </p:cSld>
+  <p:clrMapOvr>
+    <a:masterClrMapping/>
+  </p:clrMapOvr>
+</p:sld>
+</file>
+
+<file path=ppt/slides/slide6.xml><?xml version="1.0" encoding="utf-8"?>
 <p:sld xmlns:a="http://schemas.openxmlformats.org/drawingml/2006/main" xmlns:r="http://schemas.openxmlformats.org/officeDocument/2006/relationships" xmlns:p="http://schemas.openxmlformats.org/presentationml/2006/main">
   <p:cSld>
     <p:spTree>
@@ -8201,9 +9797,9 @@
           <a:p>
             <a:pPr rtl="0"/>
             <a:r>
-              <a:rPr lang="zh-TW" altLang="en-US">
-                <a:latin typeface="Microsoft JhengHei UI" panose="020B0604030504040204" pitchFamily="34" charset="-120"/>
-                <a:ea typeface="Microsoft JhengHei UI" panose="020B0604030504040204" pitchFamily="34" charset="-120"/>
+              <a:rPr lang="zh-TW" altLang="en-US" dirty="0">
+                <a:latin typeface="DFGirlW7-B5" panose="040F0709000000000000" pitchFamily="81" charset="-120"/>
+                <a:ea typeface="DFGirlW7-B5" panose="040F0709000000000000" pitchFamily="81" charset="-120"/>
               </a:rPr>
               <a:t>感謝您！</a:t>
             </a:r>
@@ -8233,22 +9829,32 @@
           </a:xfrm>
         </p:spPr>
         <p:txBody>
-          <a:bodyPr rtlCol="0">
+          <a:bodyPr rtlCol="0" anchor="b">
             <a:normAutofit/>
           </a:bodyPr>
           <a:lstStyle/>
           <a:p>
             <a:pPr rtl="0"/>
-            <a:endParaRPr lang="en-US" altLang="zh-TW" dirty="0">
-              <a:solidFill>
-                <a:schemeClr val="accent1">
-                  <a:lumMod val="40000"/>
-                  <a:lumOff val="60000"/>
-                </a:schemeClr>
-              </a:solidFill>
-              <a:latin typeface="Microsoft JhengHei UI" panose="020B0604030504040204" pitchFamily="34" charset="-120"/>
-              <a:ea typeface="Microsoft JhengHei UI" panose="020B0604030504040204" pitchFamily="34" charset="-120"/>
-            </a:endParaRPr>
+            <a:r>
+              <a:rPr lang="zh-TW" altLang="en-US" sz="1200" dirty="0">
+                <a:solidFill>
+                  <a:srgbClr val="0070C0"/>
+                </a:solidFill>
+                <a:latin typeface="DFGirlW7-B5" panose="040F0709000000000000" pitchFamily="81" charset="-120"/>
+                <a:ea typeface="DFGirlW7-B5" panose="040F0709000000000000" pitchFamily="81" charset="-120"/>
+              </a:rPr>
+              <a:t>正式版還是等我寒假重做一份吧</a:t>
+            </a:r>
+            <a:r>
+              <a:rPr lang="en-US" altLang="zh-TW" sz="1200" dirty="0">
+                <a:solidFill>
+                  <a:srgbClr val="0070C0"/>
+                </a:solidFill>
+                <a:latin typeface="DFGirlW7-B5" panose="040F0709000000000000" pitchFamily="81" charset="-120"/>
+                <a:ea typeface="DFGirlW7-B5" panose="040F0709000000000000" pitchFamily="81" charset="-120"/>
+              </a:rPr>
+              <a:t>……</a:t>
+            </a:r>
           </a:p>
         </p:txBody>
       </p:sp>
@@ -9105,6 +10711,15 @@
 </file>
 
 <file path=customXml/item1.xml><?xml version="1.0" encoding="utf-8"?>
+<?mso-contentType ?>
+<FormTemplates xmlns="http://schemas.microsoft.com/sharepoint/v3/contenttype/forms">
+  <Display>DocumentLibraryForm</Display>
+  <Edit>DocumentLibraryForm</Edit>
+  <New>DocumentLibraryForm</New>
+</FormTemplates>
+</file>
+
+<file path=customXml/item2.xml><?xml version="1.0" encoding="utf-8"?>
 <ct:contentTypeSchema xmlns:ct="http://schemas.microsoft.com/office/2006/metadata/contentType" xmlns:ma="http://schemas.microsoft.com/office/2006/metadata/properties/metaAttributes" ct:_="" ma:_="" ma:contentTypeName="Document" ma:contentTypeID="0x01010079F111ED35F8CC479449609E8A0923A6" ma:contentTypeVersion="11" ma:contentTypeDescription="Create a new document." ma:contentTypeScope="" ma:versionID="1c2eb7a32e66fb6e4260f3771546a5e2">
   <xsd:schema xmlns:xsd="http://www.w3.org/2001/XMLSchema" xmlns:xs="http://www.w3.org/2001/XMLSchema" xmlns:p="http://schemas.microsoft.com/office/2006/metadata/properties" xmlns:ns2="71af3243-3dd4-4a8d-8c0d-dd76da1f02a5" xmlns:ns3="16c05727-aa75-4e4a-9b5f-8a80a1165891" targetNamespace="http://schemas.microsoft.com/office/2006/metadata/properties" ma:root="true" ma:fieldsID="04e1f6479c48b08974ba73b5ca973489" ns2:_="" ns3:_="">
     <xsd:import namespace="71af3243-3dd4-4a8d-8c0d-dd76da1f02a5"/>
@@ -9315,15 +10930,6 @@
 </ct:contentTypeSchema>
 </file>
 
-<file path=customXml/item2.xml><?xml version="1.0" encoding="utf-8"?>
-<?mso-contentType ?>
-<FormTemplates xmlns="http://schemas.microsoft.com/sharepoint/v3/contenttype/forms">
-  <Display>DocumentLibraryForm</Display>
-  <Edit>DocumentLibraryForm</Edit>
-  <New>DocumentLibraryForm</New>
-</FormTemplates>
-</file>
-
 <file path=customXml/item3.xml><?xml version="1.0" encoding="utf-8"?>
 <p:properties xmlns:p="http://schemas.microsoft.com/office/2006/metadata/properties" xmlns:xsi="http://www.w3.org/2001/XMLSchema-instance" xmlns:pc="http://schemas.microsoft.com/office/infopath/2007/PartnerControls">
   <documentManagement>
@@ -9333,6 +10939,14 @@
 </file>
 
 <file path=customXml/itemProps1.xml><?xml version="1.0" encoding="utf-8"?>
+<ds:datastoreItem xmlns:ds="http://schemas.openxmlformats.org/officeDocument/2006/customXml" ds:itemID="{E0F1DF1E-36E3-406C-8CF7-DB13BB647087}">
+  <ds:schemaRefs>
+    <ds:schemaRef ds:uri="http://schemas.microsoft.com/sharepoint/v3/contenttype/forms"/>
+  </ds:schemaRefs>
+</ds:datastoreItem>
+</file>
+
+<file path=customXml/itemProps2.xml><?xml version="1.0" encoding="utf-8"?>
 <ds:datastoreItem xmlns:ds="http://schemas.openxmlformats.org/officeDocument/2006/customXml" ds:itemID="{9310845B-7F19-4A9A-BEE4-BEF0501E1A55}">
   <ds:schemaRefs>
     <ds:schemaRef ds:uri="http://schemas.microsoft.com/office/2006/metadata/contentType"/>
@@ -9347,14 +10961,6 @@
     <ds:schemaRef ds:uri="http://purl.org/dc/elements/1.1/"/>
     <ds:schemaRef ds:uri="http://purl.org/dc/terms/"/>
     <ds:schemaRef ds:uri="http://schemas.microsoft.com/internal/obd"/>
-  </ds:schemaRefs>
-</ds:datastoreItem>
-</file>
-
-<file path=customXml/itemProps2.xml><?xml version="1.0" encoding="utf-8"?>
-<ds:datastoreItem xmlns:ds="http://schemas.openxmlformats.org/officeDocument/2006/customXml" ds:itemID="{E0F1DF1E-36E3-406C-8CF7-DB13BB647087}">
-  <ds:schemaRefs>
-    <ds:schemaRef ds:uri="http://schemas.microsoft.com/sharepoint/v3/contenttype/forms"/>
   </ds:schemaRefs>
 </ds:datastoreItem>
 </file>
